--- a/进化算法/交叉/顺序交叉.pptx
+++ b/进化算法/交叉/顺序交叉.pptx
@@ -6,6 +6,7 @@
   </p:sldMasterIdLst>
   <p:sldIdLst>
     <p:sldId id="259" r:id="rId2"/>
+    <p:sldId id="260" r:id="rId3"/>
   </p:sldIdLst>
   <p:sldSz cx="12192000" cy="6858000"/>
   <p:notesSz cx="6858000" cy="9144000"/>
@@ -154,10 +155,9 @@
           </a:lstStyle>
           <a:p>
             <a:r>
-              <a:rPr lang="zh-CN" altLang="en-US" smtClean="0"/>
+              <a:rPr lang="zh-CN" altLang="en-US"/>
               <a:t>单击此处编辑母版标题样式</a:t>
             </a:r>
-            <a:endParaRPr lang="zh-CN" altLang="en-US"/>
           </a:p>
         </p:txBody>
       </p:sp>
@@ -219,10 +219,9 @@
           </a:lstStyle>
           <a:p>
             <a:r>
-              <a:rPr lang="zh-CN" altLang="en-US" smtClean="0"/>
+              <a:rPr lang="zh-CN" altLang="en-US"/>
               <a:t>单击以编辑母版副标题样式</a:t>
             </a:r>
-            <a:endParaRPr lang="zh-CN" altLang="en-US"/>
           </a:p>
         </p:txBody>
       </p:sp>
@@ -243,7 +242,7 @@
           <a:p>
             <a:fld id="{040B7C12-11E1-412E-B2DA-388387B615FD}" type="datetimeFigureOut">
               <a:rPr lang="zh-CN" altLang="en-US" smtClean="0"/>
-              <a:t>2019/11/19</a:t>
+              <a:t>2019/11/30</a:t>
             </a:fld>
             <a:endParaRPr lang="zh-CN" altLang="en-US"/>
           </a:p>
@@ -337,10 +336,9 @@
           <a:lstStyle/>
           <a:p>
             <a:r>
-              <a:rPr lang="zh-CN" altLang="en-US" smtClean="0"/>
+              <a:rPr lang="zh-CN" altLang="en-US"/>
               <a:t>单击此处编辑母版标题样式</a:t>
             </a:r>
-            <a:endParaRPr lang="zh-CN" altLang="en-US"/>
           </a:p>
         </p:txBody>
       </p:sp>
@@ -361,38 +359,37 @@
           <a:p>
             <a:pPr lvl="0"/>
             <a:r>
-              <a:rPr lang="zh-CN" altLang="en-US" smtClean="0"/>
+              <a:rPr lang="zh-CN" altLang="en-US"/>
               <a:t>编辑母版文本样式</a:t>
             </a:r>
           </a:p>
           <a:p>
             <a:pPr lvl="1"/>
             <a:r>
-              <a:rPr lang="zh-CN" altLang="en-US" smtClean="0"/>
+              <a:rPr lang="zh-CN" altLang="en-US"/>
               <a:t>第二级</a:t>
             </a:r>
           </a:p>
           <a:p>
             <a:pPr lvl="2"/>
             <a:r>
-              <a:rPr lang="zh-CN" altLang="en-US" smtClean="0"/>
+              <a:rPr lang="zh-CN" altLang="en-US"/>
               <a:t>第三级</a:t>
             </a:r>
           </a:p>
           <a:p>
             <a:pPr lvl="3"/>
             <a:r>
-              <a:rPr lang="zh-CN" altLang="en-US" smtClean="0"/>
+              <a:rPr lang="zh-CN" altLang="en-US"/>
               <a:t>第四级</a:t>
             </a:r>
           </a:p>
           <a:p>
             <a:pPr lvl="4"/>
             <a:r>
-              <a:rPr lang="zh-CN" altLang="en-US" smtClean="0"/>
+              <a:rPr lang="zh-CN" altLang="en-US"/>
               <a:t>第五级</a:t>
             </a:r>
-            <a:endParaRPr lang="zh-CN" altLang="en-US"/>
           </a:p>
         </p:txBody>
       </p:sp>
@@ -413,7 +410,7 @@
           <a:p>
             <a:fld id="{040B7C12-11E1-412E-B2DA-388387B615FD}" type="datetimeFigureOut">
               <a:rPr lang="zh-CN" altLang="en-US" smtClean="0"/>
-              <a:t>2019/11/19</a:t>
+              <a:t>2019/11/30</a:t>
             </a:fld>
             <a:endParaRPr lang="zh-CN" altLang="en-US"/>
           </a:p>
@@ -512,10 +509,9 @@
           <a:lstStyle/>
           <a:p>
             <a:r>
-              <a:rPr lang="zh-CN" altLang="en-US" smtClean="0"/>
+              <a:rPr lang="zh-CN" altLang="en-US"/>
               <a:t>单击此处编辑母版标题样式</a:t>
             </a:r>
-            <a:endParaRPr lang="zh-CN" altLang="en-US"/>
           </a:p>
         </p:txBody>
       </p:sp>
@@ -541,38 +537,37 @@
           <a:p>
             <a:pPr lvl="0"/>
             <a:r>
-              <a:rPr lang="zh-CN" altLang="en-US" smtClean="0"/>
+              <a:rPr lang="zh-CN" altLang="en-US"/>
               <a:t>编辑母版文本样式</a:t>
             </a:r>
           </a:p>
           <a:p>
             <a:pPr lvl="1"/>
             <a:r>
-              <a:rPr lang="zh-CN" altLang="en-US" smtClean="0"/>
+              <a:rPr lang="zh-CN" altLang="en-US"/>
               <a:t>第二级</a:t>
             </a:r>
           </a:p>
           <a:p>
             <a:pPr lvl="2"/>
             <a:r>
-              <a:rPr lang="zh-CN" altLang="en-US" smtClean="0"/>
+              <a:rPr lang="zh-CN" altLang="en-US"/>
               <a:t>第三级</a:t>
             </a:r>
           </a:p>
           <a:p>
             <a:pPr lvl="3"/>
             <a:r>
-              <a:rPr lang="zh-CN" altLang="en-US" smtClean="0"/>
+              <a:rPr lang="zh-CN" altLang="en-US"/>
               <a:t>第四级</a:t>
             </a:r>
           </a:p>
           <a:p>
             <a:pPr lvl="4"/>
             <a:r>
-              <a:rPr lang="zh-CN" altLang="en-US" smtClean="0"/>
+              <a:rPr lang="zh-CN" altLang="en-US"/>
               <a:t>第五级</a:t>
             </a:r>
-            <a:endParaRPr lang="zh-CN" altLang="en-US"/>
           </a:p>
         </p:txBody>
       </p:sp>
@@ -593,7 +588,7 @@
           <a:p>
             <a:fld id="{040B7C12-11E1-412E-B2DA-388387B615FD}" type="datetimeFigureOut">
               <a:rPr lang="zh-CN" altLang="en-US" smtClean="0"/>
-              <a:t>2019/11/19</a:t>
+              <a:t>2019/11/30</a:t>
             </a:fld>
             <a:endParaRPr lang="zh-CN" altLang="en-US"/>
           </a:p>
@@ -687,10 +682,9 @@
           <a:lstStyle/>
           <a:p>
             <a:r>
-              <a:rPr lang="zh-CN" altLang="en-US" smtClean="0"/>
+              <a:rPr lang="zh-CN" altLang="en-US"/>
               <a:t>单击此处编辑母版标题样式</a:t>
             </a:r>
-            <a:endParaRPr lang="zh-CN" altLang="en-US"/>
           </a:p>
         </p:txBody>
       </p:sp>
@@ -711,38 +705,37 @@
           <a:p>
             <a:pPr lvl="0"/>
             <a:r>
-              <a:rPr lang="zh-CN" altLang="en-US" smtClean="0"/>
+              <a:rPr lang="zh-CN" altLang="en-US"/>
               <a:t>编辑母版文本样式</a:t>
             </a:r>
           </a:p>
           <a:p>
             <a:pPr lvl="1"/>
             <a:r>
-              <a:rPr lang="zh-CN" altLang="en-US" smtClean="0"/>
+              <a:rPr lang="zh-CN" altLang="en-US"/>
               <a:t>第二级</a:t>
             </a:r>
           </a:p>
           <a:p>
             <a:pPr lvl="2"/>
             <a:r>
-              <a:rPr lang="zh-CN" altLang="en-US" smtClean="0"/>
+              <a:rPr lang="zh-CN" altLang="en-US"/>
               <a:t>第三级</a:t>
             </a:r>
           </a:p>
           <a:p>
             <a:pPr lvl="3"/>
             <a:r>
-              <a:rPr lang="zh-CN" altLang="en-US" smtClean="0"/>
+              <a:rPr lang="zh-CN" altLang="en-US"/>
               <a:t>第四级</a:t>
             </a:r>
           </a:p>
           <a:p>
             <a:pPr lvl="4"/>
             <a:r>
-              <a:rPr lang="zh-CN" altLang="en-US" smtClean="0"/>
+              <a:rPr lang="zh-CN" altLang="en-US"/>
               <a:t>第五级</a:t>
             </a:r>
-            <a:endParaRPr lang="zh-CN" altLang="en-US"/>
           </a:p>
         </p:txBody>
       </p:sp>
@@ -763,7 +756,7 @@
           <a:p>
             <a:fld id="{040B7C12-11E1-412E-B2DA-388387B615FD}" type="datetimeFigureOut">
               <a:rPr lang="zh-CN" altLang="en-US" smtClean="0"/>
-              <a:t>2019/11/19</a:t>
+              <a:t>2019/11/30</a:t>
             </a:fld>
             <a:endParaRPr lang="zh-CN" altLang="en-US"/>
           </a:p>
@@ -821,13 +814,6 @@
   <p:clrMapOvr>
     <a:masterClrMapping/>
   </p:clrMapOvr>
-  <p:timing>
-    <p:tnLst>
-      <p:par>
-        <p:cTn id="1" dur="indefinite" restart="never" nodeType="tmRoot"/>
-      </p:par>
-    </p:tnLst>
-  </p:timing>
 </p:sldLayout>
 </file>
 
@@ -873,10 +859,9 @@
           </a:lstStyle>
           <a:p>
             <a:r>
-              <a:rPr lang="zh-CN" altLang="en-US" smtClean="0"/>
+              <a:rPr lang="zh-CN" altLang="en-US"/>
               <a:t>单击此处编辑母版标题样式</a:t>
             </a:r>
-            <a:endParaRPr lang="zh-CN" altLang="en-US"/>
           </a:p>
         </p:txBody>
       </p:sp>
@@ -993,7 +978,7 @@
           <a:p>
             <a:pPr lvl="0"/>
             <a:r>
-              <a:rPr lang="zh-CN" altLang="en-US" smtClean="0"/>
+              <a:rPr lang="zh-CN" altLang="en-US"/>
               <a:t>编辑母版文本样式</a:t>
             </a:r>
           </a:p>
@@ -1016,7 +1001,7 @@
           <a:p>
             <a:fld id="{040B7C12-11E1-412E-B2DA-388387B615FD}" type="datetimeFigureOut">
               <a:rPr lang="zh-CN" altLang="en-US" smtClean="0"/>
-              <a:t>2019/11/19</a:t>
+              <a:t>2019/11/30</a:t>
             </a:fld>
             <a:endParaRPr lang="zh-CN" altLang="en-US"/>
           </a:p>
@@ -1110,10 +1095,9 @@
           <a:lstStyle/>
           <a:p>
             <a:r>
-              <a:rPr lang="zh-CN" altLang="en-US" smtClean="0"/>
+              <a:rPr lang="zh-CN" altLang="en-US"/>
               <a:t>单击此处编辑母版标题样式</a:t>
             </a:r>
-            <a:endParaRPr lang="zh-CN" altLang="en-US"/>
           </a:p>
         </p:txBody>
       </p:sp>
@@ -1139,38 +1123,37 @@
           <a:p>
             <a:pPr lvl="0"/>
             <a:r>
-              <a:rPr lang="zh-CN" altLang="en-US" smtClean="0"/>
+              <a:rPr lang="zh-CN" altLang="en-US"/>
               <a:t>编辑母版文本样式</a:t>
             </a:r>
           </a:p>
           <a:p>
             <a:pPr lvl="1"/>
             <a:r>
-              <a:rPr lang="zh-CN" altLang="en-US" smtClean="0"/>
+              <a:rPr lang="zh-CN" altLang="en-US"/>
               <a:t>第二级</a:t>
             </a:r>
           </a:p>
           <a:p>
             <a:pPr lvl="2"/>
             <a:r>
-              <a:rPr lang="zh-CN" altLang="en-US" smtClean="0"/>
+              <a:rPr lang="zh-CN" altLang="en-US"/>
               <a:t>第三级</a:t>
             </a:r>
           </a:p>
           <a:p>
             <a:pPr lvl="3"/>
             <a:r>
-              <a:rPr lang="zh-CN" altLang="en-US" smtClean="0"/>
+              <a:rPr lang="zh-CN" altLang="en-US"/>
               <a:t>第四级</a:t>
             </a:r>
           </a:p>
           <a:p>
             <a:pPr lvl="4"/>
             <a:r>
-              <a:rPr lang="zh-CN" altLang="en-US" smtClean="0"/>
+              <a:rPr lang="zh-CN" altLang="en-US"/>
               <a:t>第五级</a:t>
             </a:r>
-            <a:endParaRPr lang="zh-CN" altLang="en-US"/>
           </a:p>
         </p:txBody>
       </p:sp>
@@ -1196,38 +1179,37 @@
           <a:p>
             <a:pPr lvl="0"/>
             <a:r>
-              <a:rPr lang="zh-CN" altLang="en-US" smtClean="0"/>
+              <a:rPr lang="zh-CN" altLang="en-US"/>
               <a:t>编辑母版文本样式</a:t>
             </a:r>
           </a:p>
           <a:p>
             <a:pPr lvl="1"/>
             <a:r>
-              <a:rPr lang="zh-CN" altLang="en-US" smtClean="0"/>
+              <a:rPr lang="zh-CN" altLang="en-US"/>
               <a:t>第二级</a:t>
             </a:r>
           </a:p>
           <a:p>
             <a:pPr lvl="2"/>
             <a:r>
-              <a:rPr lang="zh-CN" altLang="en-US" smtClean="0"/>
+              <a:rPr lang="zh-CN" altLang="en-US"/>
               <a:t>第三级</a:t>
             </a:r>
           </a:p>
           <a:p>
             <a:pPr lvl="3"/>
             <a:r>
-              <a:rPr lang="zh-CN" altLang="en-US" smtClean="0"/>
+              <a:rPr lang="zh-CN" altLang="en-US"/>
               <a:t>第四级</a:t>
             </a:r>
           </a:p>
           <a:p>
             <a:pPr lvl="4"/>
             <a:r>
-              <a:rPr lang="zh-CN" altLang="en-US" smtClean="0"/>
+              <a:rPr lang="zh-CN" altLang="en-US"/>
               <a:t>第五级</a:t>
             </a:r>
-            <a:endParaRPr lang="zh-CN" altLang="en-US"/>
           </a:p>
         </p:txBody>
       </p:sp>
@@ -1248,7 +1230,7 @@
           <a:p>
             <a:fld id="{040B7C12-11E1-412E-B2DA-388387B615FD}" type="datetimeFigureOut">
               <a:rPr lang="zh-CN" altLang="en-US" smtClean="0"/>
-              <a:t>2019/11/19</a:t>
+              <a:t>2019/11/30</a:t>
             </a:fld>
             <a:endParaRPr lang="zh-CN" altLang="en-US"/>
           </a:p>
@@ -1347,10 +1329,9 @@
           <a:lstStyle/>
           <a:p>
             <a:r>
-              <a:rPr lang="zh-CN" altLang="en-US" smtClean="0"/>
+              <a:rPr lang="zh-CN" altLang="en-US"/>
               <a:t>单击此处编辑母版标题样式</a:t>
             </a:r>
-            <a:endParaRPr lang="zh-CN" altLang="en-US"/>
           </a:p>
         </p:txBody>
       </p:sp>
@@ -1413,7 +1394,7 @@
           <a:p>
             <a:pPr lvl="0"/>
             <a:r>
-              <a:rPr lang="zh-CN" altLang="en-US" smtClean="0"/>
+              <a:rPr lang="zh-CN" altLang="en-US"/>
               <a:t>编辑母版文本样式</a:t>
             </a:r>
           </a:p>
@@ -1441,38 +1422,37 @@
           <a:p>
             <a:pPr lvl="0"/>
             <a:r>
-              <a:rPr lang="zh-CN" altLang="en-US" smtClean="0"/>
+              <a:rPr lang="zh-CN" altLang="en-US"/>
               <a:t>编辑母版文本样式</a:t>
             </a:r>
           </a:p>
           <a:p>
             <a:pPr lvl="1"/>
             <a:r>
-              <a:rPr lang="zh-CN" altLang="en-US" smtClean="0"/>
+              <a:rPr lang="zh-CN" altLang="en-US"/>
               <a:t>第二级</a:t>
             </a:r>
           </a:p>
           <a:p>
             <a:pPr lvl="2"/>
             <a:r>
-              <a:rPr lang="zh-CN" altLang="en-US" smtClean="0"/>
+              <a:rPr lang="zh-CN" altLang="en-US"/>
               <a:t>第三级</a:t>
             </a:r>
           </a:p>
           <a:p>
             <a:pPr lvl="3"/>
             <a:r>
-              <a:rPr lang="zh-CN" altLang="en-US" smtClean="0"/>
+              <a:rPr lang="zh-CN" altLang="en-US"/>
               <a:t>第四级</a:t>
             </a:r>
           </a:p>
           <a:p>
             <a:pPr lvl="4"/>
             <a:r>
-              <a:rPr lang="zh-CN" altLang="en-US" smtClean="0"/>
+              <a:rPr lang="zh-CN" altLang="en-US"/>
               <a:t>第五级</a:t>
             </a:r>
-            <a:endParaRPr lang="zh-CN" altLang="en-US"/>
           </a:p>
         </p:txBody>
       </p:sp>
@@ -1535,7 +1515,7 @@
           <a:p>
             <a:pPr lvl="0"/>
             <a:r>
-              <a:rPr lang="zh-CN" altLang="en-US" smtClean="0"/>
+              <a:rPr lang="zh-CN" altLang="en-US"/>
               <a:t>编辑母版文本样式</a:t>
             </a:r>
           </a:p>
@@ -1563,38 +1543,37 @@
           <a:p>
             <a:pPr lvl="0"/>
             <a:r>
-              <a:rPr lang="zh-CN" altLang="en-US" smtClean="0"/>
+              <a:rPr lang="zh-CN" altLang="en-US"/>
               <a:t>编辑母版文本样式</a:t>
             </a:r>
           </a:p>
           <a:p>
             <a:pPr lvl="1"/>
             <a:r>
-              <a:rPr lang="zh-CN" altLang="en-US" smtClean="0"/>
+              <a:rPr lang="zh-CN" altLang="en-US"/>
               <a:t>第二级</a:t>
             </a:r>
           </a:p>
           <a:p>
             <a:pPr lvl="2"/>
             <a:r>
-              <a:rPr lang="zh-CN" altLang="en-US" smtClean="0"/>
+              <a:rPr lang="zh-CN" altLang="en-US"/>
               <a:t>第三级</a:t>
             </a:r>
           </a:p>
           <a:p>
             <a:pPr lvl="3"/>
             <a:r>
-              <a:rPr lang="zh-CN" altLang="en-US" smtClean="0"/>
+              <a:rPr lang="zh-CN" altLang="en-US"/>
               <a:t>第四级</a:t>
             </a:r>
           </a:p>
           <a:p>
             <a:pPr lvl="4"/>
             <a:r>
-              <a:rPr lang="zh-CN" altLang="en-US" smtClean="0"/>
+              <a:rPr lang="zh-CN" altLang="en-US"/>
               <a:t>第五级</a:t>
             </a:r>
-            <a:endParaRPr lang="zh-CN" altLang="en-US"/>
           </a:p>
         </p:txBody>
       </p:sp>
@@ -1615,7 +1594,7 @@
           <a:p>
             <a:fld id="{040B7C12-11E1-412E-B2DA-388387B615FD}" type="datetimeFigureOut">
               <a:rPr lang="zh-CN" altLang="en-US" smtClean="0"/>
-              <a:t>2019/11/19</a:t>
+              <a:t>2019/11/30</a:t>
             </a:fld>
             <a:endParaRPr lang="zh-CN" altLang="en-US"/>
           </a:p>
@@ -1709,10 +1688,9 @@
           <a:lstStyle/>
           <a:p>
             <a:r>
-              <a:rPr lang="zh-CN" altLang="en-US" smtClean="0"/>
+              <a:rPr lang="zh-CN" altLang="en-US"/>
               <a:t>单击此处编辑母版标题样式</a:t>
             </a:r>
-            <a:endParaRPr lang="zh-CN" altLang="en-US"/>
           </a:p>
         </p:txBody>
       </p:sp>
@@ -1733,7 +1711,7 @@
           <a:p>
             <a:fld id="{040B7C12-11E1-412E-B2DA-388387B615FD}" type="datetimeFigureOut">
               <a:rPr lang="zh-CN" altLang="en-US" smtClean="0"/>
-              <a:t>2019/11/19</a:t>
+              <a:t>2019/11/30</a:t>
             </a:fld>
             <a:endParaRPr lang="zh-CN" altLang="en-US"/>
           </a:p>
@@ -1828,7 +1806,7 @@
           <a:p>
             <a:fld id="{040B7C12-11E1-412E-B2DA-388387B615FD}" type="datetimeFigureOut">
               <a:rPr lang="zh-CN" altLang="en-US" smtClean="0"/>
-              <a:t>2019/11/19</a:t>
+              <a:t>2019/11/30</a:t>
             </a:fld>
             <a:endParaRPr lang="zh-CN" altLang="en-US"/>
           </a:p>
@@ -1931,10 +1909,9 @@
           </a:lstStyle>
           <a:p>
             <a:r>
-              <a:rPr lang="zh-CN" altLang="en-US" smtClean="0"/>
+              <a:rPr lang="zh-CN" altLang="en-US"/>
               <a:t>单击此处编辑母版标题样式</a:t>
             </a:r>
-            <a:endParaRPr lang="zh-CN" altLang="en-US"/>
           </a:p>
         </p:txBody>
       </p:sp>
@@ -1988,38 +1965,37 @@
           <a:p>
             <a:pPr lvl="0"/>
             <a:r>
-              <a:rPr lang="zh-CN" altLang="en-US" smtClean="0"/>
+              <a:rPr lang="zh-CN" altLang="en-US"/>
               <a:t>编辑母版文本样式</a:t>
             </a:r>
           </a:p>
           <a:p>
             <a:pPr lvl="1"/>
             <a:r>
-              <a:rPr lang="zh-CN" altLang="en-US" smtClean="0"/>
+              <a:rPr lang="zh-CN" altLang="en-US"/>
               <a:t>第二级</a:t>
             </a:r>
           </a:p>
           <a:p>
             <a:pPr lvl="2"/>
             <a:r>
-              <a:rPr lang="zh-CN" altLang="en-US" smtClean="0"/>
+              <a:rPr lang="zh-CN" altLang="en-US"/>
               <a:t>第三级</a:t>
             </a:r>
           </a:p>
           <a:p>
             <a:pPr lvl="3"/>
             <a:r>
-              <a:rPr lang="zh-CN" altLang="en-US" smtClean="0"/>
+              <a:rPr lang="zh-CN" altLang="en-US"/>
               <a:t>第四级</a:t>
             </a:r>
           </a:p>
           <a:p>
             <a:pPr lvl="4"/>
             <a:r>
-              <a:rPr lang="zh-CN" altLang="en-US" smtClean="0"/>
+              <a:rPr lang="zh-CN" altLang="en-US"/>
               <a:t>第五级</a:t>
             </a:r>
-            <a:endParaRPr lang="zh-CN" altLang="en-US"/>
           </a:p>
         </p:txBody>
       </p:sp>
@@ -2082,7 +2058,7 @@
           <a:p>
             <a:pPr lvl="0"/>
             <a:r>
-              <a:rPr lang="zh-CN" altLang="en-US" smtClean="0"/>
+              <a:rPr lang="zh-CN" altLang="en-US"/>
               <a:t>编辑母版文本样式</a:t>
             </a:r>
           </a:p>
@@ -2105,7 +2081,7 @@
           <a:p>
             <a:fld id="{040B7C12-11E1-412E-B2DA-388387B615FD}" type="datetimeFigureOut">
               <a:rPr lang="zh-CN" altLang="en-US" smtClean="0"/>
-              <a:t>2019/11/19</a:t>
+              <a:t>2019/11/30</a:t>
             </a:fld>
             <a:endParaRPr lang="zh-CN" altLang="en-US"/>
           </a:p>
@@ -2208,10 +2184,9 @@
           </a:lstStyle>
           <a:p>
             <a:r>
-              <a:rPr lang="zh-CN" altLang="en-US" smtClean="0"/>
+              <a:rPr lang="zh-CN" altLang="en-US"/>
               <a:t>单击此处编辑母版标题样式</a:t>
             </a:r>
-            <a:endParaRPr lang="zh-CN" altLang="en-US"/>
           </a:p>
         </p:txBody>
       </p:sp>
@@ -2335,7 +2310,7 @@
           <a:p>
             <a:pPr lvl="0"/>
             <a:r>
-              <a:rPr lang="zh-CN" altLang="en-US" smtClean="0"/>
+              <a:rPr lang="zh-CN" altLang="en-US"/>
               <a:t>编辑母版文本样式</a:t>
             </a:r>
           </a:p>
@@ -2358,7 +2333,7 @@
           <a:p>
             <a:fld id="{040B7C12-11E1-412E-B2DA-388387B615FD}" type="datetimeFigureOut">
               <a:rPr lang="zh-CN" altLang="en-US" smtClean="0"/>
-              <a:t>2019/11/19</a:t>
+              <a:t>2019/11/30</a:t>
             </a:fld>
             <a:endParaRPr lang="zh-CN" altLang="en-US"/>
           </a:p>
@@ -2467,10 +2442,9 @@
           <a:lstStyle/>
           <a:p>
             <a:r>
-              <a:rPr lang="zh-CN" altLang="en-US" smtClean="0"/>
+              <a:rPr lang="zh-CN" altLang="en-US"/>
               <a:t>单击此处编辑母版标题样式</a:t>
             </a:r>
-            <a:endParaRPr lang="zh-CN" altLang="en-US"/>
           </a:p>
         </p:txBody>
       </p:sp>
@@ -2501,38 +2475,37 @@
           <a:p>
             <a:pPr lvl="0"/>
             <a:r>
-              <a:rPr lang="zh-CN" altLang="en-US" smtClean="0"/>
+              <a:rPr lang="zh-CN" altLang="en-US"/>
               <a:t>编辑母版文本样式</a:t>
             </a:r>
           </a:p>
           <a:p>
             <a:pPr lvl="1"/>
             <a:r>
-              <a:rPr lang="zh-CN" altLang="en-US" smtClean="0"/>
+              <a:rPr lang="zh-CN" altLang="en-US"/>
               <a:t>第二级</a:t>
             </a:r>
           </a:p>
           <a:p>
             <a:pPr lvl="2"/>
             <a:r>
-              <a:rPr lang="zh-CN" altLang="en-US" smtClean="0"/>
+              <a:rPr lang="zh-CN" altLang="en-US"/>
               <a:t>第三级</a:t>
             </a:r>
           </a:p>
           <a:p>
             <a:pPr lvl="3"/>
             <a:r>
-              <a:rPr lang="zh-CN" altLang="en-US" smtClean="0"/>
+              <a:rPr lang="zh-CN" altLang="en-US"/>
               <a:t>第四级</a:t>
             </a:r>
           </a:p>
           <a:p>
             <a:pPr lvl="4"/>
             <a:r>
-              <a:rPr lang="zh-CN" altLang="en-US" smtClean="0"/>
+              <a:rPr lang="zh-CN" altLang="en-US"/>
               <a:t>第五级</a:t>
             </a:r>
-            <a:endParaRPr lang="zh-CN" altLang="en-US"/>
           </a:p>
         </p:txBody>
       </p:sp>
@@ -2571,7 +2544,7 @@
           <a:p>
             <a:fld id="{040B7C12-11E1-412E-B2DA-388387B615FD}" type="datetimeFigureOut">
               <a:rPr lang="zh-CN" altLang="en-US" smtClean="0"/>
-              <a:t>2019/11/19</a:t>
+              <a:t>2019/11/30</a:t>
             </a:fld>
             <a:endParaRPr lang="zh-CN" altLang="en-US"/>
           </a:p>
@@ -3021,7 +2994,7 @@
           <a:p>
             <a:pPr algn="ctr"/>
             <a:r>
-              <a:rPr lang="en-US" altLang="zh-CN" sz="3200" dirty="0" smtClean="0">
+              <a:rPr lang="en-US" altLang="zh-CN" sz="3200" dirty="0">
                 <a:solidFill>
                   <a:sysClr val="windowText" lastClr="000000"/>
                 </a:solidFill>
@@ -3126,16 +3099,12 @@
           <a:lstStyle/>
           <a:p>
             <a:r>
-              <a:rPr lang="zh-CN" altLang="en-US" sz="3200" dirty="0" smtClean="0">
+              <a:rPr lang="zh-CN" altLang="en-US" sz="3200" dirty="0">
                 <a:latin typeface="Times New Roman" panose="02020603050405020304" pitchFamily="18" charset="0"/>
                 <a:cs typeface="Times New Roman" panose="02020603050405020304" pitchFamily="18" charset="0"/>
               </a:rPr>
               <a:t>parent1 </a:t>
             </a:r>
-            <a:endParaRPr lang="zh-CN" altLang="en-US" sz="3200" dirty="0">
-              <a:latin typeface="Times New Roman" panose="02020603050405020304" pitchFamily="18" charset="0"/>
-              <a:cs typeface="Times New Roman" panose="02020603050405020304" pitchFamily="18" charset="0"/>
-            </a:endParaRPr>
           </a:p>
         </p:txBody>
       </p:sp>
@@ -3161,30 +3130,26 @@
           <a:lstStyle/>
           <a:p>
             <a:r>
-              <a:rPr lang="zh-CN" altLang="en-US" sz="3200" dirty="0" smtClean="0">
+              <a:rPr lang="zh-CN" altLang="en-US" sz="3200" dirty="0">
                 <a:latin typeface="Times New Roman" panose="02020603050405020304" pitchFamily="18" charset="0"/>
                 <a:cs typeface="Times New Roman" panose="02020603050405020304" pitchFamily="18" charset="0"/>
               </a:rPr>
               <a:t>parent</a:t>
             </a:r>
             <a:r>
-              <a:rPr lang="en-US" altLang="zh-CN" sz="3200" dirty="0" smtClean="0">
+              <a:rPr lang="en-US" altLang="zh-CN" sz="3200" dirty="0">
                 <a:latin typeface="Times New Roman" panose="02020603050405020304" pitchFamily="18" charset="0"/>
                 <a:cs typeface="Times New Roman" panose="02020603050405020304" pitchFamily="18" charset="0"/>
               </a:rPr>
               <a:t>2</a:t>
             </a:r>
             <a:r>
-              <a:rPr lang="zh-CN" altLang="en-US" sz="3200" dirty="0" smtClean="0">
+              <a:rPr lang="zh-CN" altLang="en-US" sz="3200" dirty="0">
                 <a:latin typeface="Times New Roman" panose="02020603050405020304" pitchFamily="18" charset="0"/>
                 <a:cs typeface="Times New Roman" panose="02020603050405020304" pitchFamily="18" charset="0"/>
               </a:rPr>
               <a:t> </a:t>
             </a:r>
-            <a:endParaRPr lang="zh-CN" altLang="en-US" sz="3200" dirty="0">
-              <a:latin typeface="Times New Roman" panose="02020603050405020304" pitchFamily="18" charset="0"/>
-              <a:cs typeface="Times New Roman" panose="02020603050405020304" pitchFamily="18" charset="0"/>
-            </a:endParaRPr>
           </a:p>
         </p:txBody>
       </p:sp>
@@ -3553,7 +3518,7 @@
           <a:p>
             <a:pPr algn="ctr"/>
             <a:r>
-              <a:rPr lang="en-US" altLang="zh-CN" sz="3200" dirty="0" smtClean="0">
+              <a:rPr lang="en-US" altLang="zh-CN" sz="3200" dirty="0">
                 <a:solidFill>
                   <a:sysClr val="windowText" lastClr="000000"/>
                 </a:solidFill>
@@ -3681,7 +3646,7 @@
           <a:p>
             <a:pPr algn="ctr"/>
             <a:r>
-              <a:rPr lang="en-US" altLang="zh-CN" sz="3200" dirty="0" smtClean="0">
+              <a:rPr lang="en-US" altLang="zh-CN" sz="3200" dirty="0">
                 <a:solidFill>
                   <a:sysClr val="windowText" lastClr="000000"/>
                 </a:solidFill>
@@ -4001,7 +3966,7 @@
           <a:p>
             <a:pPr algn="ctr"/>
             <a:r>
-              <a:rPr lang="en-US" altLang="zh-CN" sz="3200" dirty="0" smtClean="0">
+              <a:rPr lang="en-US" altLang="zh-CN" sz="3200" dirty="0">
                 <a:solidFill>
                   <a:sysClr val="windowText" lastClr="000000"/>
                 </a:solidFill>
@@ -4065,7 +4030,7 @@
           <a:p>
             <a:pPr algn="ctr"/>
             <a:r>
-              <a:rPr lang="en-US" altLang="zh-CN" sz="3200" dirty="0" smtClean="0">
+              <a:rPr lang="en-US" altLang="zh-CN" sz="3200" dirty="0">
                 <a:solidFill>
                   <a:sysClr val="windowText" lastClr="000000"/>
                 </a:solidFill>
@@ -4110,37 +4075,16 @@
                 <a:latin typeface="Times New Roman" panose="02020603050405020304" pitchFamily="18" charset="0"/>
                 <a:cs typeface="Times New Roman" panose="02020603050405020304" pitchFamily="18" charset="0"/>
               </a:rPr>
-              <a:t>顺序</a:t>
-            </a:r>
-            <a:r>
-              <a:rPr lang="zh-CN" altLang="en-US" sz="3200" dirty="0" smtClean="0">
+              <a:t>顺序交叉（</a:t>
+            </a:r>
+            <a:r>
+              <a:rPr lang="en-US" altLang="zh-CN" sz="3200" dirty="0">
                 <a:latin typeface="Times New Roman" panose="02020603050405020304" pitchFamily="18" charset="0"/>
                 <a:cs typeface="Times New Roman" panose="02020603050405020304" pitchFamily="18" charset="0"/>
               </a:rPr>
-              <a:t>交叉（</a:t>
-            </a:r>
-            <a:r>
-              <a:rPr lang="en-US" altLang="zh-CN" sz="3200" dirty="0" smtClean="0">
-                <a:latin typeface="Times New Roman" panose="02020603050405020304" pitchFamily="18" charset="0"/>
-                <a:cs typeface="Times New Roman" panose="02020603050405020304" pitchFamily="18" charset="0"/>
-              </a:rPr>
-              <a:t>Order </a:t>
-            </a:r>
-            <a:r>
-              <a:rPr lang="en-US" altLang="zh-CN" sz="3200" dirty="0" smtClean="0">
-                <a:latin typeface="Times New Roman" panose="02020603050405020304" pitchFamily="18" charset="0"/>
-                <a:cs typeface="Times New Roman" panose="02020603050405020304" pitchFamily="18" charset="0"/>
-              </a:rPr>
-              <a:t>crossover</a:t>
-            </a:r>
-            <a:r>
-              <a:rPr lang="en-US" altLang="zh-CN" sz="3200" dirty="0" smtClean="0">
-                <a:latin typeface="Times New Roman" panose="02020603050405020304" pitchFamily="18" charset="0"/>
-                <a:cs typeface="Times New Roman" panose="02020603050405020304" pitchFamily="18" charset="0"/>
-              </a:rPr>
-              <a:t>, OX)</a:t>
-            </a:r>
-            <a:endParaRPr lang="zh-CN" altLang="en-US" sz="3200" dirty="0" smtClean="0">
+              <a:t>Order crossover, OX)</a:t>
+            </a:r>
+            <a:endParaRPr lang="zh-CN" altLang="en-US" sz="3200" dirty="0">
               <a:latin typeface="Times New Roman" panose="02020603050405020304" pitchFamily="18" charset="0"/>
               <a:cs typeface="Times New Roman" panose="02020603050405020304" pitchFamily="18" charset="0"/>
             </a:endParaRPr>
@@ -4205,7 +4149,7 @@
           <a:lstStyle/>
           <a:p>
             <a:r>
-              <a:rPr lang="zh-CN" altLang="en-US" sz="3200" dirty="0" smtClean="0">
+              <a:rPr lang="zh-CN" altLang="en-US" sz="3200" dirty="0">
                 <a:latin typeface="Times New Roman" panose="02020603050405020304" pitchFamily="18" charset="0"/>
                 <a:cs typeface="Times New Roman" panose="02020603050405020304" pitchFamily="18" charset="0"/>
               </a:rPr>
@@ -4508,7 +4452,7 @@
           <a:lstStyle/>
           <a:p>
             <a:r>
-              <a:rPr lang="en-US" altLang="zh-CN" sz="3200" dirty="0" smtClean="0">
+              <a:rPr lang="en-US" altLang="zh-CN" sz="3200" dirty="0">
                 <a:latin typeface="Times New Roman" panose="02020603050405020304" pitchFamily="18" charset="0"/>
                 <a:cs typeface="Times New Roman" panose="02020603050405020304" pitchFamily="18" charset="0"/>
               </a:rPr>
@@ -5092,7 +5036,7 @@
           <a:p>
             <a:pPr algn="ctr"/>
             <a:r>
-              <a:rPr lang="en-US" altLang="zh-CN" sz="3200" dirty="0" smtClean="0">
+              <a:rPr lang="en-US" altLang="zh-CN" sz="3200" dirty="0">
                 <a:solidFill>
                   <a:sysClr val="windowText" lastClr="000000"/>
                 </a:solidFill>
@@ -5210,7 +5154,7 @@
           <a:lstStyle/>
           <a:p>
             <a:r>
-              <a:rPr lang="en-US" altLang="zh-CN" sz="3200" dirty="0" smtClean="0">
+              <a:rPr lang="en-US" altLang="zh-CN" sz="3200" dirty="0">
                 <a:latin typeface="Times New Roman" panose="02020603050405020304" pitchFamily="18" charset="0"/>
                 <a:cs typeface="Times New Roman" panose="02020603050405020304" pitchFamily="18" charset="0"/>
               </a:rPr>
@@ -5268,7 +5212,7 @@
           <a:p>
             <a:pPr algn="ctr"/>
             <a:r>
-              <a:rPr lang="en-US" altLang="zh-CN" sz="3200" dirty="0" smtClean="0">
+              <a:rPr lang="en-US" altLang="zh-CN" sz="3200" dirty="0">
                 <a:solidFill>
                   <a:sysClr val="windowText" lastClr="000000"/>
                 </a:solidFill>
@@ -7623,6 +7567,3379 @@
       <p:bldP spid="68" grpId="0" animBg="1"/>
       <p:bldP spid="69" grpId="0" animBg="1"/>
       <p:bldP spid="70" grpId="0" animBg="1"/>
+    </p:bldLst>
+  </p:timing>
+</p:sld>
+</file>
+
+<file path=ppt/slides/slide2.xml><?xml version="1.0" encoding="utf-8"?>
+<p:sld xmlns:a="http://schemas.openxmlformats.org/drawingml/2006/main" xmlns:r="http://schemas.openxmlformats.org/officeDocument/2006/relationships" xmlns:p="http://schemas.openxmlformats.org/presentationml/2006/main">
+  <p:cSld>
+    <p:spTree>
+      <p:nvGrpSpPr>
+        <p:cNvPr id="1" name=""/>
+        <p:cNvGrpSpPr/>
+        <p:nvPr/>
+      </p:nvGrpSpPr>
+      <p:grpSpPr>
+        <a:xfrm>
+          <a:off x="0" y="0"/>
+          <a:ext cx="0" cy="0"/>
+          <a:chOff x="0" y="0"/>
+          <a:chExt cx="0" cy="0"/>
+        </a:xfrm>
+      </p:grpSpPr>
+      <p:sp>
+        <p:nvSpPr>
+          <p:cNvPr id="99" name="矩形 98"/>
+          <p:cNvSpPr/>
+          <p:nvPr/>
+        </p:nvSpPr>
+        <p:spPr>
+          <a:xfrm>
+            <a:off x="4189112" y="3324302"/>
+            <a:ext cx="716175" cy="515259"/>
+          </a:xfrm>
+          <a:prstGeom prst="rect">
+            <a:avLst/>
+          </a:prstGeom>
+          <a:solidFill>
+            <a:srgbClr val="FFC000"/>
+          </a:solidFill>
+          <a:ln w="6350">
+            <a:solidFill>
+              <a:schemeClr val="tx1"/>
+            </a:solidFill>
+          </a:ln>
+        </p:spPr>
+        <p:style>
+          <a:lnRef idx="2">
+            <a:schemeClr val="accent1">
+              <a:shade val="50000"/>
+            </a:schemeClr>
+          </a:lnRef>
+          <a:fillRef idx="1">
+            <a:schemeClr val="accent1"/>
+          </a:fillRef>
+          <a:effectRef idx="0">
+            <a:schemeClr val="accent1"/>
+          </a:effectRef>
+          <a:fontRef idx="minor">
+            <a:schemeClr val="lt1"/>
+          </a:fontRef>
+        </p:style>
+        <p:txBody>
+          <a:bodyPr rtlCol="0" anchor="ctr"/>
+          <a:lstStyle/>
+          <a:p>
+            <a:pPr algn="ctr"/>
+            <a:r>
+              <a:rPr lang="en-US" altLang="zh-CN" sz="3200" dirty="0">
+                <a:solidFill>
+                  <a:sysClr val="windowText" lastClr="000000"/>
+                </a:solidFill>
+                <a:latin typeface="Times New Roman" panose="02020603050405020304" pitchFamily="18" charset="0"/>
+                <a:cs typeface="Times New Roman" panose="02020603050405020304" pitchFamily="18" charset="0"/>
+              </a:rPr>
+              <a:t>1</a:t>
+            </a:r>
+            <a:endParaRPr lang="zh-CN" altLang="en-US" sz="3200" dirty="0">
+              <a:solidFill>
+                <a:sysClr val="windowText" lastClr="000000"/>
+              </a:solidFill>
+              <a:latin typeface="Times New Roman" panose="02020603050405020304" pitchFamily="18" charset="0"/>
+              <a:cs typeface="Times New Roman" panose="02020603050405020304" pitchFamily="18" charset="0"/>
+            </a:endParaRPr>
+          </a:p>
+        </p:txBody>
+      </p:sp>
+      <p:sp>
+        <p:nvSpPr>
+          <p:cNvPr id="122" name="矩形 121"/>
+          <p:cNvSpPr/>
+          <p:nvPr/>
+        </p:nvSpPr>
+        <p:spPr>
+          <a:xfrm>
+            <a:off x="2095256" y="3324302"/>
+            <a:ext cx="1518364" cy="584776"/>
+          </a:xfrm>
+          <a:prstGeom prst="rect">
+            <a:avLst/>
+          </a:prstGeom>
+        </p:spPr>
+        <p:txBody>
+          <a:bodyPr wrap="none">
+            <a:spAutoFit/>
+          </a:bodyPr>
+          <a:lstStyle/>
+          <a:p>
+            <a:r>
+              <a:rPr lang="zh-CN" altLang="en-US" sz="3200" dirty="0">
+                <a:latin typeface="Times New Roman" panose="02020603050405020304" pitchFamily="18" charset="0"/>
+                <a:cs typeface="Times New Roman" panose="02020603050405020304" pitchFamily="18" charset="0"/>
+              </a:rPr>
+              <a:t>parent1 </a:t>
+            </a:r>
+          </a:p>
+        </p:txBody>
+      </p:sp>
+      <p:sp>
+        <p:nvSpPr>
+          <p:cNvPr id="96" name="矩形 95"/>
+          <p:cNvSpPr/>
+          <p:nvPr/>
+        </p:nvSpPr>
+        <p:spPr>
+          <a:xfrm>
+            <a:off x="4905286" y="3324302"/>
+            <a:ext cx="716175" cy="515259"/>
+          </a:xfrm>
+          <a:prstGeom prst="rect">
+            <a:avLst/>
+          </a:prstGeom>
+          <a:solidFill>
+            <a:srgbClr val="FFC000"/>
+          </a:solidFill>
+          <a:ln w="6350">
+            <a:solidFill>
+              <a:schemeClr val="tx1"/>
+            </a:solidFill>
+          </a:ln>
+        </p:spPr>
+        <p:style>
+          <a:lnRef idx="2">
+            <a:schemeClr val="accent1">
+              <a:shade val="50000"/>
+            </a:schemeClr>
+          </a:lnRef>
+          <a:fillRef idx="1">
+            <a:schemeClr val="accent1"/>
+          </a:fillRef>
+          <a:effectRef idx="0">
+            <a:schemeClr val="accent1"/>
+          </a:effectRef>
+          <a:fontRef idx="minor">
+            <a:schemeClr val="lt1"/>
+          </a:fontRef>
+        </p:style>
+        <p:txBody>
+          <a:bodyPr rtlCol="0" anchor="ctr"/>
+          <a:lstStyle/>
+          <a:p>
+            <a:pPr algn="ctr"/>
+            <a:r>
+              <a:rPr lang="en-US" altLang="zh-CN" sz="3200" dirty="0">
+                <a:solidFill>
+                  <a:sysClr val="windowText" lastClr="000000"/>
+                </a:solidFill>
+                <a:latin typeface="Times New Roman" panose="02020603050405020304" pitchFamily="18" charset="0"/>
+                <a:cs typeface="Times New Roman" panose="02020603050405020304" pitchFamily="18" charset="0"/>
+              </a:rPr>
+              <a:t>2</a:t>
+            </a:r>
+            <a:endParaRPr lang="zh-CN" altLang="en-US" sz="3200" dirty="0">
+              <a:solidFill>
+                <a:sysClr val="windowText" lastClr="000000"/>
+              </a:solidFill>
+              <a:latin typeface="Times New Roman" panose="02020603050405020304" pitchFamily="18" charset="0"/>
+              <a:cs typeface="Times New Roman" panose="02020603050405020304" pitchFamily="18" charset="0"/>
+            </a:endParaRPr>
+          </a:p>
+        </p:txBody>
+      </p:sp>
+      <p:sp>
+        <p:nvSpPr>
+          <p:cNvPr id="97" name="矩形 96"/>
+          <p:cNvSpPr/>
+          <p:nvPr/>
+        </p:nvSpPr>
+        <p:spPr>
+          <a:xfrm>
+            <a:off x="5621461" y="3324302"/>
+            <a:ext cx="716175" cy="515259"/>
+          </a:xfrm>
+          <a:prstGeom prst="rect">
+            <a:avLst/>
+          </a:prstGeom>
+          <a:solidFill>
+            <a:srgbClr val="FFC000"/>
+          </a:solidFill>
+          <a:ln w="6350">
+            <a:solidFill>
+              <a:schemeClr val="tx1"/>
+            </a:solidFill>
+          </a:ln>
+        </p:spPr>
+        <p:style>
+          <a:lnRef idx="2">
+            <a:schemeClr val="accent1">
+              <a:shade val="50000"/>
+            </a:schemeClr>
+          </a:lnRef>
+          <a:fillRef idx="1">
+            <a:schemeClr val="accent1"/>
+          </a:fillRef>
+          <a:effectRef idx="0">
+            <a:schemeClr val="accent1"/>
+          </a:effectRef>
+          <a:fontRef idx="minor">
+            <a:schemeClr val="lt1"/>
+          </a:fontRef>
+        </p:style>
+        <p:txBody>
+          <a:bodyPr rtlCol="0" anchor="ctr"/>
+          <a:lstStyle/>
+          <a:p>
+            <a:pPr algn="ctr"/>
+            <a:r>
+              <a:rPr lang="en-US" altLang="zh-CN" sz="3200" dirty="0">
+                <a:solidFill>
+                  <a:sysClr val="windowText" lastClr="000000"/>
+                </a:solidFill>
+                <a:latin typeface="Times New Roman" panose="02020603050405020304" pitchFamily="18" charset="0"/>
+                <a:cs typeface="Times New Roman" panose="02020603050405020304" pitchFamily="18" charset="0"/>
+              </a:rPr>
+              <a:t>3</a:t>
+            </a:r>
+            <a:endParaRPr lang="zh-CN" altLang="en-US" sz="3200" dirty="0">
+              <a:solidFill>
+                <a:sysClr val="windowText" lastClr="000000"/>
+              </a:solidFill>
+              <a:latin typeface="Times New Roman" panose="02020603050405020304" pitchFamily="18" charset="0"/>
+              <a:cs typeface="Times New Roman" panose="02020603050405020304" pitchFamily="18" charset="0"/>
+            </a:endParaRPr>
+          </a:p>
+        </p:txBody>
+      </p:sp>
+      <p:sp>
+        <p:nvSpPr>
+          <p:cNvPr id="98" name="矩形 97"/>
+          <p:cNvSpPr/>
+          <p:nvPr/>
+        </p:nvSpPr>
+        <p:spPr>
+          <a:xfrm>
+            <a:off x="6337636" y="3324302"/>
+            <a:ext cx="716175" cy="515259"/>
+          </a:xfrm>
+          <a:prstGeom prst="rect">
+            <a:avLst/>
+          </a:prstGeom>
+          <a:solidFill>
+            <a:srgbClr val="FFC000"/>
+          </a:solidFill>
+          <a:ln w="6350">
+            <a:solidFill>
+              <a:schemeClr val="tx1"/>
+            </a:solidFill>
+          </a:ln>
+        </p:spPr>
+        <p:style>
+          <a:lnRef idx="2">
+            <a:schemeClr val="accent1">
+              <a:shade val="50000"/>
+            </a:schemeClr>
+          </a:lnRef>
+          <a:fillRef idx="1">
+            <a:schemeClr val="accent1"/>
+          </a:fillRef>
+          <a:effectRef idx="0">
+            <a:schemeClr val="accent1"/>
+          </a:effectRef>
+          <a:fontRef idx="minor">
+            <a:schemeClr val="lt1"/>
+          </a:fontRef>
+        </p:style>
+        <p:txBody>
+          <a:bodyPr rtlCol="0" anchor="ctr"/>
+          <a:lstStyle/>
+          <a:p>
+            <a:pPr algn="ctr"/>
+            <a:r>
+              <a:rPr lang="en-US" altLang="zh-CN" sz="3200" dirty="0">
+                <a:solidFill>
+                  <a:sysClr val="windowText" lastClr="000000"/>
+                </a:solidFill>
+                <a:latin typeface="Times New Roman" panose="02020603050405020304" pitchFamily="18" charset="0"/>
+                <a:cs typeface="Times New Roman" panose="02020603050405020304" pitchFamily="18" charset="0"/>
+              </a:rPr>
+              <a:t>4</a:t>
+            </a:r>
+            <a:endParaRPr lang="zh-CN" altLang="en-US" sz="3200" dirty="0">
+              <a:solidFill>
+                <a:sysClr val="windowText" lastClr="000000"/>
+              </a:solidFill>
+              <a:latin typeface="Times New Roman" panose="02020603050405020304" pitchFamily="18" charset="0"/>
+              <a:cs typeface="Times New Roman" panose="02020603050405020304" pitchFamily="18" charset="0"/>
+            </a:endParaRPr>
+          </a:p>
+        </p:txBody>
+      </p:sp>
+      <p:sp>
+        <p:nvSpPr>
+          <p:cNvPr id="121" name="矩形 120"/>
+          <p:cNvSpPr/>
+          <p:nvPr/>
+        </p:nvSpPr>
+        <p:spPr>
+          <a:xfrm>
+            <a:off x="7053810" y="3324302"/>
+            <a:ext cx="716175" cy="515259"/>
+          </a:xfrm>
+          <a:prstGeom prst="rect">
+            <a:avLst/>
+          </a:prstGeom>
+          <a:solidFill>
+            <a:srgbClr val="FFC000"/>
+          </a:solidFill>
+          <a:ln w="6350">
+            <a:solidFill>
+              <a:schemeClr val="tx1"/>
+            </a:solidFill>
+          </a:ln>
+        </p:spPr>
+        <p:style>
+          <a:lnRef idx="2">
+            <a:schemeClr val="accent1">
+              <a:shade val="50000"/>
+            </a:schemeClr>
+          </a:lnRef>
+          <a:fillRef idx="1">
+            <a:schemeClr val="accent1"/>
+          </a:fillRef>
+          <a:effectRef idx="0">
+            <a:schemeClr val="accent1"/>
+          </a:effectRef>
+          <a:fontRef idx="minor">
+            <a:schemeClr val="lt1"/>
+          </a:fontRef>
+        </p:style>
+        <p:txBody>
+          <a:bodyPr rtlCol="0" anchor="ctr"/>
+          <a:lstStyle/>
+          <a:p>
+            <a:pPr algn="ctr"/>
+            <a:r>
+              <a:rPr lang="en-US" altLang="zh-CN" sz="3200" dirty="0">
+                <a:solidFill>
+                  <a:sysClr val="windowText" lastClr="000000"/>
+                </a:solidFill>
+                <a:latin typeface="Times New Roman" panose="02020603050405020304" pitchFamily="18" charset="0"/>
+                <a:cs typeface="Times New Roman" panose="02020603050405020304" pitchFamily="18" charset="0"/>
+              </a:rPr>
+              <a:t>5</a:t>
+            </a:r>
+            <a:endParaRPr lang="zh-CN" altLang="en-US" sz="3200" dirty="0">
+              <a:solidFill>
+                <a:sysClr val="windowText" lastClr="000000"/>
+              </a:solidFill>
+              <a:latin typeface="Times New Roman" panose="02020603050405020304" pitchFamily="18" charset="0"/>
+              <a:cs typeface="Times New Roman" panose="02020603050405020304" pitchFamily="18" charset="0"/>
+            </a:endParaRPr>
+          </a:p>
+        </p:txBody>
+      </p:sp>
+      <p:sp>
+        <p:nvSpPr>
+          <p:cNvPr id="194" name="矩形 193"/>
+          <p:cNvSpPr/>
+          <p:nvPr/>
+        </p:nvSpPr>
+        <p:spPr>
+          <a:xfrm>
+            <a:off x="7769985" y="3324302"/>
+            <a:ext cx="716175" cy="515259"/>
+          </a:xfrm>
+          <a:prstGeom prst="rect">
+            <a:avLst/>
+          </a:prstGeom>
+          <a:solidFill>
+            <a:srgbClr val="FFC000"/>
+          </a:solidFill>
+          <a:ln w="6350">
+            <a:solidFill>
+              <a:schemeClr val="tx1"/>
+            </a:solidFill>
+          </a:ln>
+        </p:spPr>
+        <p:style>
+          <a:lnRef idx="2">
+            <a:schemeClr val="accent1">
+              <a:shade val="50000"/>
+            </a:schemeClr>
+          </a:lnRef>
+          <a:fillRef idx="1">
+            <a:schemeClr val="accent1"/>
+          </a:fillRef>
+          <a:effectRef idx="0">
+            <a:schemeClr val="accent1"/>
+          </a:effectRef>
+          <a:fontRef idx="minor">
+            <a:schemeClr val="lt1"/>
+          </a:fontRef>
+        </p:style>
+        <p:txBody>
+          <a:bodyPr rtlCol="0" anchor="ctr"/>
+          <a:lstStyle/>
+          <a:p>
+            <a:pPr algn="ctr"/>
+            <a:r>
+              <a:rPr lang="en-US" altLang="zh-CN" sz="3200" dirty="0">
+                <a:solidFill>
+                  <a:sysClr val="windowText" lastClr="000000"/>
+                </a:solidFill>
+                <a:latin typeface="Times New Roman" panose="02020603050405020304" pitchFamily="18" charset="0"/>
+                <a:cs typeface="Times New Roman" panose="02020603050405020304" pitchFamily="18" charset="0"/>
+              </a:rPr>
+              <a:t>6</a:t>
+            </a:r>
+            <a:endParaRPr lang="zh-CN" altLang="en-US" sz="3200" dirty="0">
+              <a:solidFill>
+                <a:sysClr val="windowText" lastClr="000000"/>
+              </a:solidFill>
+              <a:latin typeface="Times New Roman" panose="02020603050405020304" pitchFamily="18" charset="0"/>
+              <a:cs typeface="Times New Roman" panose="02020603050405020304" pitchFamily="18" charset="0"/>
+            </a:endParaRPr>
+          </a:p>
+        </p:txBody>
+      </p:sp>
+      <p:sp>
+        <p:nvSpPr>
+          <p:cNvPr id="195" name="矩形 194"/>
+          <p:cNvSpPr/>
+          <p:nvPr/>
+        </p:nvSpPr>
+        <p:spPr>
+          <a:xfrm>
+            <a:off x="8486160" y="3324302"/>
+            <a:ext cx="716175" cy="515259"/>
+          </a:xfrm>
+          <a:prstGeom prst="rect">
+            <a:avLst/>
+          </a:prstGeom>
+          <a:solidFill>
+            <a:srgbClr val="FFC000"/>
+          </a:solidFill>
+          <a:ln w="6350">
+            <a:solidFill>
+              <a:schemeClr val="tx1"/>
+            </a:solidFill>
+          </a:ln>
+        </p:spPr>
+        <p:style>
+          <a:lnRef idx="2">
+            <a:schemeClr val="accent1">
+              <a:shade val="50000"/>
+            </a:schemeClr>
+          </a:lnRef>
+          <a:fillRef idx="1">
+            <a:schemeClr val="accent1"/>
+          </a:fillRef>
+          <a:effectRef idx="0">
+            <a:schemeClr val="accent1"/>
+          </a:effectRef>
+          <a:fontRef idx="minor">
+            <a:schemeClr val="lt1"/>
+          </a:fontRef>
+        </p:style>
+        <p:txBody>
+          <a:bodyPr rtlCol="0" anchor="ctr"/>
+          <a:lstStyle/>
+          <a:p>
+            <a:pPr algn="ctr"/>
+            <a:r>
+              <a:rPr lang="en-US" altLang="zh-CN" sz="3200" dirty="0">
+                <a:solidFill>
+                  <a:sysClr val="windowText" lastClr="000000"/>
+                </a:solidFill>
+                <a:latin typeface="Times New Roman" panose="02020603050405020304" pitchFamily="18" charset="0"/>
+                <a:cs typeface="Times New Roman" panose="02020603050405020304" pitchFamily="18" charset="0"/>
+              </a:rPr>
+              <a:t>7</a:t>
+            </a:r>
+            <a:endParaRPr lang="zh-CN" altLang="en-US" sz="3200" dirty="0">
+              <a:solidFill>
+                <a:sysClr val="windowText" lastClr="000000"/>
+              </a:solidFill>
+              <a:latin typeface="Times New Roman" panose="02020603050405020304" pitchFamily="18" charset="0"/>
+              <a:cs typeface="Times New Roman" panose="02020603050405020304" pitchFamily="18" charset="0"/>
+            </a:endParaRPr>
+          </a:p>
+        </p:txBody>
+      </p:sp>
+      <p:sp>
+        <p:nvSpPr>
+          <p:cNvPr id="196" name="矩形 195"/>
+          <p:cNvSpPr/>
+          <p:nvPr/>
+        </p:nvSpPr>
+        <p:spPr>
+          <a:xfrm>
+            <a:off x="9202334" y="3324302"/>
+            <a:ext cx="716175" cy="515259"/>
+          </a:xfrm>
+          <a:prstGeom prst="rect">
+            <a:avLst/>
+          </a:prstGeom>
+          <a:solidFill>
+            <a:srgbClr val="FFC000"/>
+          </a:solidFill>
+          <a:ln w="6350">
+            <a:solidFill>
+              <a:schemeClr val="tx1"/>
+            </a:solidFill>
+          </a:ln>
+        </p:spPr>
+        <p:style>
+          <a:lnRef idx="2">
+            <a:schemeClr val="accent1">
+              <a:shade val="50000"/>
+            </a:schemeClr>
+          </a:lnRef>
+          <a:fillRef idx="1">
+            <a:schemeClr val="accent1"/>
+          </a:fillRef>
+          <a:effectRef idx="0">
+            <a:schemeClr val="accent1"/>
+          </a:effectRef>
+          <a:fontRef idx="minor">
+            <a:schemeClr val="lt1"/>
+          </a:fontRef>
+        </p:style>
+        <p:txBody>
+          <a:bodyPr rtlCol="0" anchor="ctr"/>
+          <a:lstStyle/>
+          <a:p>
+            <a:pPr algn="ctr"/>
+            <a:r>
+              <a:rPr lang="en-US" altLang="zh-CN" sz="3200" dirty="0">
+                <a:solidFill>
+                  <a:sysClr val="windowText" lastClr="000000"/>
+                </a:solidFill>
+                <a:latin typeface="Times New Roman" panose="02020603050405020304" pitchFamily="18" charset="0"/>
+                <a:cs typeface="Times New Roman" panose="02020603050405020304" pitchFamily="18" charset="0"/>
+              </a:rPr>
+              <a:t>8</a:t>
+            </a:r>
+            <a:endParaRPr lang="zh-CN" altLang="en-US" sz="3200" dirty="0">
+              <a:solidFill>
+                <a:sysClr val="windowText" lastClr="000000"/>
+              </a:solidFill>
+              <a:latin typeface="Times New Roman" panose="02020603050405020304" pitchFamily="18" charset="0"/>
+              <a:cs typeface="Times New Roman" panose="02020603050405020304" pitchFamily="18" charset="0"/>
+            </a:endParaRPr>
+          </a:p>
+        </p:txBody>
+      </p:sp>
+      <p:cxnSp>
+        <p:nvCxnSpPr>
+          <p:cNvPr id="3" name="直接箭头连接符 2"/>
+          <p:cNvCxnSpPr/>
+          <p:nvPr/>
+        </p:nvCxnSpPr>
+        <p:spPr>
+          <a:xfrm>
+            <a:off x="5267079" y="2446020"/>
+            <a:ext cx="2470" cy="878282"/>
+          </a:xfrm>
+          <a:prstGeom prst="straightConnector1">
+            <a:avLst/>
+          </a:prstGeom>
+          <a:ln w="19050">
+            <a:solidFill>
+              <a:srgbClr val="FF0000"/>
+            </a:solidFill>
+            <a:tailEnd type="triangle"/>
+          </a:ln>
+        </p:spPr>
+        <p:style>
+          <a:lnRef idx="1">
+            <a:schemeClr val="accent1"/>
+          </a:lnRef>
+          <a:fillRef idx="0">
+            <a:schemeClr val="accent1"/>
+          </a:fillRef>
+          <a:effectRef idx="0">
+            <a:schemeClr val="accent1"/>
+          </a:effectRef>
+          <a:fontRef idx="minor">
+            <a:schemeClr val="tx1"/>
+          </a:fontRef>
+        </p:style>
+      </p:cxnSp>
+      <p:cxnSp>
+        <p:nvCxnSpPr>
+          <p:cNvPr id="30" name="直接箭头连接符 29"/>
+          <p:cNvCxnSpPr/>
+          <p:nvPr/>
+        </p:nvCxnSpPr>
+        <p:spPr>
+          <a:xfrm>
+            <a:off x="7408193" y="2446020"/>
+            <a:ext cx="2470" cy="878282"/>
+          </a:xfrm>
+          <a:prstGeom prst="straightConnector1">
+            <a:avLst/>
+          </a:prstGeom>
+          <a:ln w="19050">
+            <a:solidFill>
+              <a:srgbClr val="FF0000"/>
+            </a:solidFill>
+            <a:tailEnd type="triangle"/>
+          </a:ln>
+        </p:spPr>
+        <p:style>
+          <a:lnRef idx="1">
+            <a:schemeClr val="accent1"/>
+          </a:lnRef>
+          <a:fillRef idx="0">
+            <a:schemeClr val="accent1"/>
+          </a:fillRef>
+          <a:effectRef idx="0">
+            <a:schemeClr val="accent1"/>
+          </a:effectRef>
+          <a:fontRef idx="minor">
+            <a:schemeClr val="tx1"/>
+          </a:fontRef>
+        </p:style>
+      </p:cxnSp>
+      <p:sp>
+        <p:nvSpPr>
+          <p:cNvPr id="42" name="矩形 41"/>
+          <p:cNvSpPr/>
+          <p:nvPr/>
+        </p:nvSpPr>
+        <p:spPr>
+          <a:xfrm>
+            <a:off x="4905286" y="3324302"/>
+            <a:ext cx="716175" cy="515259"/>
+          </a:xfrm>
+          <a:prstGeom prst="rect">
+            <a:avLst/>
+          </a:prstGeom>
+          <a:solidFill>
+            <a:srgbClr val="FFC000"/>
+          </a:solidFill>
+          <a:ln w="6350">
+            <a:solidFill>
+              <a:schemeClr val="tx1"/>
+            </a:solidFill>
+          </a:ln>
+        </p:spPr>
+        <p:style>
+          <a:lnRef idx="2">
+            <a:schemeClr val="accent1">
+              <a:shade val="50000"/>
+            </a:schemeClr>
+          </a:lnRef>
+          <a:fillRef idx="1">
+            <a:schemeClr val="accent1"/>
+          </a:fillRef>
+          <a:effectRef idx="0">
+            <a:schemeClr val="accent1"/>
+          </a:effectRef>
+          <a:fontRef idx="minor">
+            <a:schemeClr val="lt1"/>
+          </a:fontRef>
+        </p:style>
+        <p:txBody>
+          <a:bodyPr rtlCol="0" anchor="ctr"/>
+          <a:lstStyle/>
+          <a:p>
+            <a:pPr algn="ctr"/>
+            <a:r>
+              <a:rPr lang="en-US" altLang="zh-CN" sz="3200" dirty="0">
+                <a:solidFill>
+                  <a:sysClr val="windowText" lastClr="000000"/>
+                </a:solidFill>
+                <a:latin typeface="Times New Roman" panose="02020603050405020304" pitchFamily="18" charset="0"/>
+                <a:cs typeface="Times New Roman" panose="02020603050405020304" pitchFamily="18" charset="0"/>
+              </a:rPr>
+              <a:t>2</a:t>
+            </a:r>
+            <a:endParaRPr lang="zh-CN" altLang="en-US" sz="3200" dirty="0">
+              <a:solidFill>
+                <a:sysClr val="windowText" lastClr="000000"/>
+              </a:solidFill>
+              <a:latin typeface="Times New Roman" panose="02020603050405020304" pitchFamily="18" charset="0"/>
+              <a:cs typeface="Times New Roman" panose="02020603050405020304" pitchFamily="18" charset="0"/>
+            </a:endParaRPr>
+          </a:p>
+        </p:txBody>
+      </p:sp>
+      <p:sp>
+        <p:nvSpPr>
+          <p:cNvPr id="43" name="矩形 42"/>
+          <p:cNvSpPr/>
+          <p:nvPr/>
+        </p:nvSpPr>
+        <p:spPr>
+          <a:xfrm>
+            <a:off x="5621461" y="3324302"/>
+            <a:ext cx="716175" cy="515259"/>
+          </a:xfrm>
+          <a:prstGeom prst="rect">
+            <a:avLst/>
+          </a:prstGeom>
+          <a:solidFill>
+            <a:srgbClr val="FFC000"/>
+          </a:solidFill>
+          <a:ln w="6350">
+            <a:solidFill>
+              <a:schemeClr val="tx1"/>
+            </a:solidFill>
+          </a:ln>
+        </p:spPr>
+        <p:style>
+          <a:lnRef idx="2">
+            <a:schemeClr val="accent1">
+              <a:shade val="50000"/>
+            </a:schemeClr>
+          </a:lnRef>
+          <a:fillRef idx="1">
+            <a:schemeClr val="accent1"/>
+          </a:fillRef>
+          <a:effectRef idx="0">
+            <a:schemeClr val="accent1"/>
+          </a:effectRef>
+          <a:fontRef idx="minor">
+            <a:schemeClr val="lt1"/>
+          </a:fontRef>
+        </p:style>
+        <p:txBody>
+          <a:bodyPr rtlCol="0" anchor="ctr"/>
+          <a:lstStyle/>
+          <a:p>
+            <a:pPr algn="ctr"/>
+            <a:r>
+              <a:rPr lang="en-US" altLang="zh-CN" sz="3200" dirty="0">
+                <a:solidFill>
+                  <a:sysClr val="windowText" lastClr="000000"/>
+                </a:solidFill>
+                <a:latin typeface="Times New Roman" panose="02020603050405020304" pitchFamily="18" charset="0"/>
+                <a:cs typeface="Times New Roman" panose="02020603050405020304" pitchFamily="18" charset="0"/>
+              </a:rPr>
+              <a:t>3</a:t>
+            </a:r>
+            <a:endParaRPr lang="zh-CN" altLang="en-US" sz="3200" dirty="0">
+              <a:solidFill>
+                <a:sysClr val="windowText" lastClr="000000"/>
+              </a:solidFill>
+              <a:latin typeface="Times New Roman" panose="02020603050405020304" pitchFamily="18" charset="0"/>
+              <a:cs typeface="Times New Roman" panose="02020603050405020304" pitchFamily="18" charset="0"/>
+            </a:endParaRPr>
+          </a:p>
+        </p:txBody>
+      </p:sp>
+      <p:sp>
+        <p:nvSpPr>
+          <p:cNvPr id="44" name="矩形 43"/>
+          <p:cNvSpPr/>
+          <p:nvPr/>
+        </p:nvSpPr>
+        <p:spPr>
+          <a:xfrm>
+            <a:off x="6337636" y="3324302"/>
+            <a:ext cx="716175" cy="515259"/>
+          </a:xfrm>
+          <a:prstGeom prst="rect">
+            <a:avLst/>
+          </a:prstGeom>
+          <a:solidFill>
+            <a:srgbClr val="FFC000"/>
+          </a:solidFill>
+          <a:ln w="6350">
+            <a:solidFill>
+              <a:schemeClr val="tx1"/>
+            </a:solidFill>
+          </a:ln>
+        </p:spPr>
+        <p:style>
+          <a:lnRef idx="2">
+            <a:schemeClr val="accent1">
+              <a:shade val="50000"/>
+            </a:schemeClr>
+          </a:lnRef>
+          <a:fillRef idx="1">
+            <a:schemeClr val="accent1"/>
+          </a:fillRef>
+          <a:effectRef idx="0">
+            <a:schemeClr val="accent1"/>
+          </a:effectRef>
+          <a:fontRef idx="minor">
+            <a:schemeClr val="lt1"/>
+          </a:fontRef>
+        </p:style>
+        <p:txBody>
+          <a:bodyPr rtlCol="0" anchor="ctr"/>
+          <a:lstStyle/>
+          <a:p>
+            <a:pPr algn="ctr"/>
+            <a:r>
+              <a:rPr lang="en-US" altLang="zh-CN" sz="3200" dirty="0">
+                <a:solidFill>
+                  <a:sysClr val="windowText" lastClr="000000"/>
+                </a:solidFill>
+                <a:latin typeface="Times New Roman" panose="02020603050405020304" pitchFamily="18" charset="0"/>
+                <a:cs typeface="Times New Roman" panose="02020603050405020304" pitchFamily="18" charset="0"/>
+              </a:rPr>
+              <a:t>4</a:t>
+            </a:r>
+            <a:endParaRPr lang="zh-CN" altLang="en-US" sz="3200" dirty="0">
+              <a:solidFill>
+                <a:sysClr val="windowText" lastClr="000000"/>
+              </a:solidFill>
+              <a:latin typeface="Times New Roman" panose="02020603050405020304" pitchFamily="18" charset="0"/>
+              <a:cs typeface="Times New Roman" panose="02020603050405020304" pitchFamily="18" charset="0"/>
+            </a:endParaRPr>
+          </a:p>
+        </p:txBody>
+      </p:sp>
+      <p:sp>
+        <p:nvSpPr>
+          <p:cNvPr id="49" name="矩形 48"/>
+          <p:cNvSpPr/>
+          <p:nvPr/>
+        </p:nvSpPr>
+        <p:spPr>
+          <a:xfrm>
+            <a:off x="7053810" y="3324302"/>
+            <a:ext cx="716175" cy="515259"/>
+          </a:xfrm>
+          <a:prstGeom prst="rect">
+            <a:avLst/>
+          </a:prstGeom>
+          <a:solidFill>
+            <a:srgbClr val="FFC000"/>
+          </a:solidFill>
+          <a:ln w="6350">
+            <a:solidFill>
+              <a:schemeClr val="tx1"/>
+            </a:solidFill>
+          </a:ln>
+        </p:spPr>
+        <p:style>
+          <a:lnRef idx="2">
+            <a:schemeClr val="accent1">
+              <a:shade val="50000"/>
+            </a:schemeClr>
+          </a:lnRef>
+          <a:fillRef idx="1">
+            <a:schemeClr val="accent1"/>
+          </a:fillRef>
+          <a:effectRef idx="0">
+            <a:schemeClr val="accent1"/>
+          </a:effectRef>
+          <a:fontRef idx="minor">
+            <a:schemeClr val="lt1"/>
+          </a:fontRef>
+        </p:style>
+        <p:txBody>
+          <a:bodyPr rtlCol="0" anchor="ctr"/>
+          <a:lstStyle/>
+          <a:p>
+            <a:pPr algn="ctr"/>
+            <a:r>
+              <a:rPr lang="en-US" altLang="zh-CN" sz="3200" dirty="0">
+                <a:solidFill>
+                  <a:sysClr val="windowText" lastClr="000000"/>
+                </a:solidFill>
+                <a:latin typeface="Times New Roman" panose="02020603050405020304" pitchFamily="18" charset="0"/>
+                <a:cs typeface="Times New Roman" panose="02020603050405020304" pitchFamily="18" charset="0"/>
+              </a:rPr>
+              <a:t>5</a:t>
+            </a:r>
+            <a:endParaRPr lang="zh-CN" altLang="en-US" sz="3200" dirty="0">
+              <a:solidFill>
+                <a:sysClr val="windowText" lastClr="000000"/>
+              </a:solidFill>
+              <a:latin typeface="Times New Roman" panose="02020603050405020304" pitchFamily="18" charset="0"/>
+              <a:cs typeface="Times New Roman" panose="02020603050405020304" pitchFamily="18" charset="0"/>
+            </a:endParaRPr>
+          </a:p>
+        </p:txBody>
+      </p:sp>
+      <p:sp>
+        <p:nvSpPr>
+          <p:cNvPr id="52" name="矩形 51">
+            <a:extLst>
+              <a:ext uri="{FF2B5EF4-FFF2-40B4-BE49-F238E27FC236}">
+                <a16:creationId xmlns:a16="http://schemas.microsoft.com/office/drawing/2014/main" id="{4B0A1894-5612-4D9A-9115-B589CAF2155F}"/>
+              </a:ext>
+            </a:extLst>
+          </p:cNvPr>
+          <p:cNvSpPr/>
+          <p:nvPr/>
+        </p:nvSpPr>
+        <p:spPr>
+          <a:xfrm>
+            <a:off x="4905286" y="1498953"/>
+            <a:ext cx="3877985" cy="584775"/>
+          </a:xfrm>
+          <a:prstGeom prst="rect">
+            <a:avLst/>
+          </a:prstGeom>
+        </p:spPr>
+        <p:txBody>
+          <a:bodyPr wrap="none">
+            <a:spAutoFit/>
+          </a:bodyPr>
+          <a:lstStyle/>
+          <a:p>
+            <a:r>
+              <a:rPr lang="zh-CN" altLang="en-US" sz="3200" dirty="0">
+                <a:latin typeface="Times New Roman" panose="02020603050405020304" pitchFamily="18" charset="0"/>
+                <a:cs typeface="Times New Roman" panose="02020603050405020304" pitchFamily="18" charset="0"/>
+              </a:rPr>
+              <a:t>随机选择起点和终点</a:t>
+            </a:r>
+          </a:p>
+        </p:txBody>
+      </p:sp>
+      <p:sp>
+        <p:nvSpPr>
+          <p:cNvPr id="53" name="矩形 52">
+            <a:extLst>
+              <a:ext uri="{FF2B5EF4-FFF2-40B4-BE49-F238E27FC236}">
+                <a16:creationId xmlns:a16="http://schemas.microsoft.com/office/drawing/2014/main" id="{17B09B87-EC8C-48C7-A7FD-57173B1CC34C}"/>
+              </a:ext>
+            </a:extLst>
+          </p:cNvPr>
+          <p:cNvSpPr/>
+          <p:nvPr/>
+        </p:nvSpPr>
+        <p:spPr>
+          <a:xfrm>
+            <a:off x="4189112" y="4460213"/>
+            <a:ext cx="716175" cy="515259"/>
+          </a:xfrm>
+          <a:prstGeom prst="rect">
+            <a:avLst/>
+          </a:prstGeom>
+          <a:noFill/>
+          <a:ln w="6350">
+            <a:solidFill>
+              <a:schemeClr val="tx1"/>
+            </a:solidFill>
+          </a:ln>
+        </p:spPr>
+        <p:style>
+          <a:lnRef idx="2">
+            <a:schemeClr val="accent1">
+              <a:shade val="50000"/>
+            </a:schemeClr>
+          </a:lnRef>
+          <a:fillRef idx="1">
+            <a:schemeClr val="accent1"/>
+          </a:fillRef>
+          <a:effectRef idx="0">
+            <a:schemeClr val="accent1"/>
+          </a:effectRef>
+          <a:fontRef idx="minor">
+            <a:schemeClr val="lt1"/>
+          </a:fontRef>
+        </p:style>
+        <p:txBody>
+          <a:bodyPr rtlCol="0" anchor="ctr"/>
+          <a:lstStyle/>
+          <a:p>
+            <a:pPr algn="ctr"/>
+            <a:endParaRPr lang="zh-CN" altLang="en-US" sz="3200" dirty="0">
+              <a:solidFill>
+                <a:sysClr val="windowText" lastClr="000000"/>
+              </a:solidFill>
+              <a:latin typeface="Times New Roman" panose="02020603050405020304" pitchFamily="18" charset="0"/>
+              <a:cs typeface="Times New Roman" panose="02020603050405020304" pitchFamily="18" charset="0"/>
+            </a:endParaRPr>
+          </a:p>
+        </p:txBody>
+      </p:sp>
+      <p:sp>
+        <p:nvSpPr>
+          <p:cNvPr id="54" name="矩形 53">
+            <a:extLst>
+              <a:ext uri="{FF2B5EF4-FFF2-40B4-BE49-F238E27FC236}">
+                <a16:creationId xmlns:a16="http://schemas.microsoft.com/office/drawing/2014/main" id="{34E07F6F-1B09-466E-9856-95938F622709}"/>
+              </a:ext>
+            </a:extLst>
+          </p:cNvPr>
+          <p:cNvSpPr/>
+          <p:nvPr/>
+        </p:nvSpPr>
+        <p:spPr>
+          <a:xfrm>
+            <a:off x="4905286" y="4460213"/>
+            <a:ext cx="716175" cy="515259"/>
+          </a:xfrm>
+          <a:prstGeom prst="rect">
+            <a:avLst/>
+          </a:prstGeom>
+          <a:solidFill>
+            <a:srgbClr val="FFC000"/>
+          </a:solidFill>
+          <a:ln w="6350">
+            <a:solidFill>
+              <a:schemeClr val="tx1"/>
+            </a:solidFill>
+          </a:ln>
+        </p:spPr>
+        <p:style>
+          <a:lnRef idx="2">
+            <a:schemeClr val="accent1">
+              <a:shade val="50000"/>
+            </a:schemeClr>
+          </a:lnRef>
+          <a:fillRef idx="1">
+            <a:schemeClr val="accent1"/>
+          </a:fillRef>
+          <a:effectRef idx="0">
+            <a:schemeClr val="accent1"/>
+          </a:effectRef>
+          <a:fontRef idx="minor">
+            <a:schemeClr val="lt1"/>
+          </a:fontRef>
+        </p:style>
+        <p:txBody>
+          <a:bodyPr rtlCol="0" anchor="ctr"/>
+          <a:lstStyle/>
+          <a:p>
+            <a:pPr algn="ctr"/>
+            <a:r>
+              <a:rPr lang="en-US" altLang="zh-CN" sz="3200" dirty="0">
+                <a:solidFill>
+                  <a:sysClr val="windowText" lastClr="000000"/>
+                </a:solidFill>
+                <a:latin typeface="Times New Roman" panose="02020603050405020304" pitchFamily="18" charset="0"/>
+                <a:cs typeface="Times New Roman" panose="02020603050405020304" pitchFamily="18" charset="0"/>
+              </a:rPr>
+              <a:t>2</a:t>
+            </a:r>
+            <a:endParaRPr lang="zh-CN" altLang="en-US" sz="3200" dirty="0">
+              <a:solidFill>
+                <a:sysClr val="windowText" lastClr="000000"/>
+              </a:solidFill>
+              <a:latin typeface="Times New Roman" panose="02020603050405020304" pitchFamily="18" charset="0"/>
+              <a:cs typeface="Times New Roman" panose="02020603050405020304" pitchFamily="18" charset="0"/>
+            </a:endParaRPr>
+          </a:p>
+        </p:txBody>
+      </p:sp>
+      <p:sp>
+        <p:nvSpPr>
+          <p:cNvPr id="55" name="矩形 54">
+            <a:extLst>
+              <a:ext uri="{FF2B5EF4-FFF2-40B4-BE49-F238E27FC236}">
+                <a16:creationId xmlns:a16="http://schemas.microsoft.com/office/drawing/2014/main" id="{721EF9BB-34A5-42E7-A7F3-5B2EA83EF115}"/>
+              </a:ext>
+            </a:extLst>
+          </p:cNvPr>
+          <p:cNvSpPr/>
+          <p:nvPr/>
+        </p:nvSpPr>
+        <p:spPr>
+          <a:xfrm>
+            <a:off x="5621461" y="4460213"/>
+            <a:ext cx="716175" cy="515259"/>
+          </a:xfrm>
+          <a:prstGeom prst="rect">
+            <a:avLst/>
+          </a:prstGeom>
+          <a:solidFill>
+            <a:srgbClr val="FFC000"/>
+          </a:solidFill>
+          <a:ln w="6350">
+            <a:solidFill>
+              <a:schemeClr val="tx1"/>
+            </a:solidFill>
+          </a:ln>
+        </p:spPr>
+        <p:style>
+          <a:lnRef idx="2">
+            <a:schemeClr val="accent1">
+              <a:shade val="50000"/>
+            </a:schemeClr>
+          </a:lnRef>
+          <a:fillRef idx="1">
+            <a:schemeClr val="accent1"/>
+          </a:fillRef>
+          <a:effectRef idx="0">
+            <a:schemeClr val="accent1"/>
+          </a:effectRef>
+          <a:fontRef idx="minor">
+            <a:schemeClr val="lt1"/>
+          </a:fontRef>
+        </p:style>
+        <p:txBody>
+          <a:bodyPr rtlCol="0" anchor="ctr"/>
+          <a:lstStyle/>
+          <a:p>
+            <a:pPr algn="ctr"/>
+            <a:r>
+              <a:rPr lang="en-US" altLang="zh-CN" sz="3200" dirty="0">
+                <a:solidFill>
+                  <a:sysClr val="windowText" lastClr="000000"/>
+                </a:solidFill>
+                <a:latin typeface="Times New Roman" panose="02020603050405020304" pitchFamily="18" charset="0"/>
+                <a:cs typeface="Times New Roman" panose="02020603050405020304" pitchFamily="18" charset="0"/>
+              </a:rPr>
+              <a:t>3</a:t>
+            </a:r>
+            <a:endParaRPr lang="zh-CN" altLang="en-US" sz="3200" dirty="0">
+              <a:solidFill>
+                <a:sysClr val="windowText" lastClr="000000"/>
+              </a:solidFill>
+              <a:latin typeface="Times New Roman" panose="02020603050405020304" pitchFamily="18" charset="0"/>
+              <a:cs typeface="Times New Roman" panose="02020603050405020304" pitchFamily="18" charset="0"/>
+            </a:endParaRPr>
+          </a:p>
+        </p:txBody>
+      </p:sp>
+      <p:sp>
+        <p:nvSpPr>
+          <p:cNvPr id="60" name="矩形 59">
+            <a:extLst>
+              <a:ext uri="{FF2B5EF4-FFF2-40B4-BE49-F238E27FC236}">
+                <a16:creationId xmlns:a16="http://schemas.microsoft.com/office/drawing/2014/main" id="{66FD12C5-B8F3-487D-B0C1-976B0AC992BA}"/>
+              </a:ext>
+            </a:extLst>
+          </p:cNvPr>
+          <p:cNvSpPr/>
+          <p:nvPr/>
+        </p:nvSpPr>
+        <p:spPr>
+          <a:xfrm>
+            <a:off x="6337636" y="4460213"/>
+            <a:ext cx="716175" cy="515259"/>
+          </a:xfrm>
+          <a:prstGeom prst="rect">
+            <a:avLst/>
+          </a:prstGeom>
+          <a:solidFill>
+            <a:srgbClr val="FFC000"/>
+          </a:solidFill>
+          <a:ln w="6350">
+            <a:solidFill>
+              <a:schemeClr val="tx1"/>
+            </a:solidFill>
+          </a:ln>
+        </p:spPr>
+        <p:style>
+          <a:lnRef idx="2">
+            <a:schemeClr val="accent1">
+              <a:shade val="50000"/>
+            </a:schemeClr>
+          </a:lnRef>
+          <a:fillRef idx="1">
+            <a:schemeClr val="accent1"/>
+          </a:fillRef>
+          <a:effectRef idx="0">
+            <a:schemeClr val="accent1"/>
+          </a:effectRef>
+          <a:fontRef idx="minor">
+            <a:schemeClr val="lt1"/>
+          </a:fontRef>
+        </p:style>
+        <p:txBody>
+          <a:bodyPr rtlCol="0" anchor="ctr"/>
+          <a:lstStyle/>
+          <a:p>
+            <a:pPr algn="ctr"/>
+            <a:r>
+              <a:rPr lang="en-US" altLang="zh-CN" sz="3200" dirty="0">
+                <a:solidFill>
+                  <a:sysClr val="windowText" lastClr="000000"/>
+                </a:solidFill>
+                <a:latin typeface="Times New Roman" panose="02020603050405020304" pitchFamily="18" charset="0"/>
+                <a:cs typeface="Times New Roman" panose="02020603050405020304" pitchFamily="18" charset="0"/>
+              </a:rPr>
+              <a:t>4</a:t>
+            </a:r>
+            <a:endParaRPr lang="zh-CN" altLang="en-US" sz="3200" dirty="0">
+              <a:solidFill>
+                <a:sysClr val="windowText" lastClr="000000"/>
+              </a:solidFill>
+              <a:latin typeface="Times New Roman" panose="02020603050405020304" pitchFamily="18" charset="0"/>
+              <a:cs typeface="Times New Roman" panose="02020603050405020304" pitchFamily="18" charset="0"/>
+            </a:endParaRPr>
+          </a:p>
+        </p:txBody>
+      </p:sp>
+      <p:sp>
+        <p:nvSpPr>
+          <p:cNvPr id="61" name="矩形 60">
+            <a:extLst>
+              <a:ext uri="{FF2B5EF4-FFF2-40B4-BE49-F238E27FC236}">
+                <a16:creationId xmlns:a16="http://schemas.microsoft.com/office/drawing/2014/main" id="{7FA0ED56-9C6D-4993-B2BD-6939AE12487E}"/>
+              </a:ext>
+            </a:extLst>
+          </p:cNvPr>
+          <p:cNvSpPr/>
+          <p:nvPr/>
+        </p:nvSpPr>
+        <p:spPr>
+          <a:xfrm>
+            <a:off x="7053810" y="4460213"/>
+            <a:ext cx="716175" cy="515259"/>
+          </a:xfrm>
+          <a:prstGeom prst="rect">
+            <a:avLst/>
+          </a:prstGeom>
+          <a:solidFill>
+            <a:srgbClr val="FFC000"/>
+          </a:solidFill>
+          <a:ln w="6350">
+            <a:solidFill>
+              <a:schemeClr val="tx1"/>
+            </a:solidFill>
+          </a:ln>
+        </p:spPr>
+        <p:style>
+          <a:lnRef idx="2">
+            <a:schemeClr val="accent1">
+              <a:shade val="50000"/>
+            </a:schemeClr>
+          </a:lnRef>
+          <a:fillRef idx="1">
+            <a:schemeClr val="accent1"/>
+          </a:fillRef>
+          <a:effectRef idx="0">
+            <a:schemeClr val="accent1"/>
+          </a:effectRef>
+          <a:fontRef idx="minor">
+            <a:schemeClr val="lt1"/>
+          </a:fontRef>
+        </p:style>
+        <p:txBody>
+          <a:bodyPr rtlCol="0" anchor="ctr"/>
+          <a:lstStyle/>
+          <a:p>
+            <a:pPr algn="ctr"/>
+            <a:r>
+              <a:rPr lang="en-US" altLang="zh-CN" sz="3200" dirty="0">
+                <a:solidFill>
+                  <a:sysClr val="windowText" lastClr="000000"/>
+                </a:solidFill>
+                <a:latin typeface="Times New Roman" panose="02020603050405020304" pitchFamily="18" charset="0"/>
+                <a:cs typeface="Times New Roman" panose="02020603050405020304" pitchFamily="18" charset="0"/>
+              </a:rPr>
+              <a:t>5</a:t>
+            </a:r>
+            <a:endParaRPr lang="zh-CN" altLang="en-US" sz="3200" dirty="0">
+              <a:solidFill>
+                <a:sysClr val="windowText" lastClr="000000"/>
+              </a:solidFill>
+              <a:latin typeface="Times New Roman" panose="02020603050405020304" pitchFamily="18" charset="0"/>
+              <a:cs typeface="Times New Roman" panose="02020603050405020304" pitchFamily="18" charset="0"/>
+            </a:endParaRPr>
+          </a:p>
+        </p:txBody>
+      </p:sp>
+      <p:sp>
+        <p:nvSpPr>
+          <p:cNvPr id="71" name="矩形 70">
+            <a:extLst>
+              <a:ext uri="{FF2B5EF4-FFF2-40B4-BE49-F238E27FC236}">
+                <a16:creationId xmlns:a16="http://schemas.microsoft.com/office/drawing/2014/main" id="{E5884FCD-29EA-4627-9195-AF1A4A3A4393}"/>
+              </a:ext>
+            </a:extLst>
+          </p:cNvPr>
+          <p:cNvSpPr/>
+          <p:nvPr/>
+        </p:nvSpPr>
+        <p:spPr>
+          <a:xfrm>
+            <a:off x="7769985" y="4460213"/>
+            <a:ext cx="716175" cy="515259"/>
+          </a:xfrm>
+          <a:prstGeom prst="rect">
+            <a:avLst/>
+          </a:prstGeom>
+          <a:noFill/>
+          <a:ln w="6350">
+            <a:solidFill>
+              <a:schemeClr val="tx1"/>
+            </a:solidFill>
+          </a:ln>
+        </p:spPr>
+        <p:style>
+          <a:lnRef idx="2">
+            <a:schemeClr val="accent1">
+              <a:shade val="50000"/>
+            </a:schemeClr>
+          </a:lnRef>
+          <a:fillRef idx="1">
+            <a:schemeClr val="accent1"/>
+          </a:fillRef>
+          <a:effectRef idx="0">
+            <a:schemeClr val="accent1"/>
+          </a:effectRef>
+          <a:fontRef idx="minor">
+            <a:schemeClr val="lt1"/>
+          </a:fontRef>
+        </p:style>
+        <p:txBody>
+          <a:bodyPr rtlCol="0" anchor="ctr"/>
+          <a:lstStyle/>
+          <a:p>
+            <a:pPr algn="ctr"/>
+            <a:endParaRPr lang="zh-CN" altLang="en-US" sz="3200" dirty="0">
+              <a:solidFill>
+                <a:sysClr val="windowText" lastClr="000000"/>
+              </a:solidFill>
+              <a:latin typeface="Times New Roman" panose="02020603050405020304" pitchFamily="18" charset="0"/>
+              <a:cs typeface="Times New Roman" panose="02020603050405020304" pitchFamily="18" charset="0"/>
+            </a:endParaRPr>
+          </a:p>
+        </p:txBody>
+      </p:sp>
+      <p:sp>
+        <p:nvSpPr>
+          <p:cNvPr id="72" name="矩形 71">
+            <a:extLst>
+              <a:ext uri="{FF2B5EF4-FFF2-40B4-BE49-F238E27FC236}">
+                <a16:creationId xmlns:a16="http://schemas.microsoft.com/office/drawing/2014/main" id="{7DCD70C6-27DA-4987-9F6F-B07525585AB7}"/>
+              </a:ext>
+            </a:extLst>
+          </p:cNvPr>
+          <p:cNvSpPr/>
+          <p:nvPr/>
+        </p:nvSpPr>
+        <p:spPr>
+          <a:xfrm>
+            <a:off x="8486160" y="4460213"/>
+            <a:ext cx="716175" cy="515259"/>
+          </a:xfrm>
+          <a:prstGeom prst="rect">
+            <a:avLst/>
+          </a:prstGeom>
+          <a:noFill/>
+          <a:ln w="6350">
+            <a:solidFill>
+              <a:schemeClr val="tx1"/>
+            </a:solidFill>
+          </a:ln>
+        </p:spPr>
+        <p:style>
+          <a:lnRef idx="2">
+            <a:schemeClr val="accent1">
+              <a:shade val="50000"/>
+            </a:schemeClr>
+          </a:lnRef>
+          <a:fillRef idx="1">
+            <a:schemeClr val="accent1"/>
+          </a:fillRef>
+          <a:effectRef idx="0">
+            <a:schemeClr val="accent1"/>
+          </a:effectRef>
+          <a:fontRef idx="minor">
+            <a:schemeClr val="lt1"/>
+          </a:fontRef>
+        </p:style>
+        <p:txBody>
+          <a:bodyPr rtlCol="0" anchor="ctr"/>
+          <a:lstStyle/>
+          <a:p>
+            <a:pPr algn="ctr"/>
+            <a:endParaRPr lang="zh-CN" altLang="en-US" sz="3200" dirty="0">
+              <a:solidFill>
+                <a:sysClr val="windowText" lastClr="000000"/>
+              </a:solidFill>
+              <a:latin typeface="Times New Roman" panose="02020603050405020304" pitchFamily="18" charset="0"/>
+              <a:cs typeface="Times New Roman" panose="02020603050405020304" pitchFamily="18" charset="0"/>
+            </a:endParaRPr>
+          </a:p>
+        </p:txBody>
+      </p:sp>
+      <p:sp>
+        <p:nvSpPr>
+          <p:cNvPr id="73" name="矩形 72">
+            <a:extLst>
+              <a:ext uri="{FF2B5EF4-FFF2-40B4-BE49-F238E27FC236}">
+                <a16:creationId xmlns:a16="http://schemas.microsoft.com/office/drawing/2014/main" id="{2FF022CD-14B3-4925-A763-8FD47EA0D18D}"/>
+              </a:ext>
+            </a:extLst>
+          </p:cNvPr>
+          <p:cNvSpPr/>
+          <p:nvPr/>
+        </p:nvSpPr>
+        <p:spPr>
+          <a:xfrm>
+            <a:off x="9202334" y="4460213"/>
+            <a:ext cx="716175" cy="515259"/>
+          </a:xfrm>
+          <a:prstGeom prst="rect">
+            <a:avLst/>
+          </a:prstGeom>
+          <a:noFill/>
+          <a:ln w="6350">
+            <a:solidFill>
+              <a:schemeClr val="tx1"/>
+            </a:solidFill>
+          </a:ln>
+        </p:spPr>
+        <p:style>
+          <a:lnRef idx="2">
+            <a:schemeClr val="accent1">
+              <a:shade val="50000"/>
+            </a:schemeClr>
+          </a:lnRef>
+          <a:fillRef idx="1">
+            <a:schemeClr val="accent1"/>
+          </a:fillRef>
+          <a:effectRef idx="0">
+            <a:schemeClr val="accent1"/>
+          </a:effectRef>
+          <a:fontRef idx="minor">
+            <a:schemeClr val="lt1"/>
+          </a:fontRef>
+        </p:style>
+        <p:txBody>
+          <a:bodyPr rtlCol="0" anchor="ctr"/>
+          <a:lstStyle/>
+          <a:p>
+            <a:pPr algn="ctr"/>
+            <a:endParaRPr lang="zh-CN" altLang="en-US" sz="3200" dirty="0">
+              <a:solidFill>
+                <a:sysClr val="windowText" lastClr="000000"/>
+              </a:solidFill>
+              <a:latin typeface="Times New Roman" panose="02020603050405020304" pitchFamily="18" charset="0"/>
+              <a:cs typeface="Times New Roman" panose="02020603050405020304" pitchFamily="18" charset="0"/>
+            </a:endParaRPr>
+          </a:p>
+        </p:txBody>
+      </p:sp>
+      <p:sp>
+        <p:nvSpPr>
+          <p:cNvPr id="74" name="矩形 73">
+            <a:extLst>
+              <a:ext uri="{FF2B5EF4-FFF2-40B4-BE49-F238E27FC236}">
+                <a16:creationId xmlns:a16="http://schemas.microsoft.com/office/drawing/2014/main" id="{55E2804C-EAC0-4C0D-9BB7-D0F3F6E843A3}"/>
+              </a:ext>
+            </a:extLst>
+          </p:cNvPr>
+          <p:cNvSpPr/>
+          <p:nvPr/>
+        </p:nvSpPr>
+        <p:spPr>
+          <a:xfrm>
+            <a:off x="4905286" y="4460213"/>
+            <a:ext cx="716175" cy="515259"/>
+          </a:xfrm>
+          <a:prstGeom prst="rect">
+            <a:avLst/>
+          </a:prstGeom>
+          <a:solidFill>
+            <a:srgbClr val="FFC000"/>
+          </a:solidFill>
+          <a:ln w="6350">
+            <a:solidFill>
+              <a:schemeClr val="tx1"/>
+            </a:solidFill>
+          </a:ln>
+        </p:spPr>
+        <p:style>
+          <a:lnRef idx="2">
+            <a:schemeClr val="accent1">
+              <a:shade val="50000"/>
+            </a:schemeClr>
+          </a:lnRef>
+          <a:fillRef idx="1">
+            <a:schemeClr val="accent1"/>
+          </a:fillRef>
+          <a:effectRef idx="0">
+            <a:schemeClr val="accent1"/>
+          </a:effectRef>
+          <a:fontRef idx="minor">
+            <a:schemeClr val="lt1"/>
+          </a:fontRef>
+        </p:style>
+        <p:txBody>
+          <a:bodyPr rtlCol="0" anchor="ctr"/>
+          <a:lstStyle/>
+          <a:p>
+            <a:pPr algn="ctr"/>
+            <a:r>
+              <a:rPr lang="en-US" altLang="zh-CN" sz="3200" dirty="0">
+                <a:solidFill>
+                  <a:sysClr val="windowText" lastClr="000000"/>
+                </a:solidFill>
+                <a:latin typeface="Times New Roman" panose="02020603050405020304" pitchFamily="18" charset="0"/>
+                <a:cs typeface="Times New Roman" panose="02020603050405020304" pitchFamily="18" charset="0"/>
+              </a:rPr>
+              <a:t>2</a:t>
+            </a:r>
+            <a:endParaRPr lang="zh-CN" altLang="en-US" sz="3200" dirty="0">
+              <a:solidFill>
+                <a:sysClr val="windowText" lastClr="000000"/>
+              </a:solidFill>
+              <a:latin typeface="Times New Roman" panose="02020603050405020304" pitchFamily="18" charset="0"/>
+              <a:cs typeface="Times New Roman" panose="02020603050405020304" pitchFamily="18" charset="0"/>
+            </a:endParaRPr>
+          </a:p>
+        </p:txBody>
+      </p:sp>
+      <p:sp>
+        <p:nvSpPr>
+          <p:cNvPr id="75" name="矩形 74">
+            <a:extLst>
+              <a:ext uri="{FF2B5EF4-FFF2-40B4-BE49-F238E27FC236}">
+                <a16:creationId xmlns:a16="http://schemas.microsoft.com/office/drawing/2014/main" id="{E64D7D4D-DEDE-4050-BA8B-89B33CB1E947}"/>
+              </a:ext>
+            </a:extLst>
+          </p:cNvPr>
+          <p:cNvSpPr/>
+          <p:nvPr/>
+        </p:nvSpPr>
+        <p:spPr>
+          <a:xfrm>
+            <a:off x="5621461" y="4460213"/>
+            <a:ext cx="716175" cy="515259"/>
+          </a:xfrm>
+          <a:prstGeom prst="rect">
+            <a:avLst/>
+          </a:prstGeom>
+          <a:solidFill>
+            <a:srgbClr val="FFC000"/>
+          </a:solidFill>
+          <a:ln w="6350">
+            <a:solidFill>
+              <a:schemeClr val="tx1"/>
+            </a:solidFill>
+          </a:ln>
+        </p:spPr>
+        <p:style>
+          <a:lnRef idx="2">
+            <a:schemeClr val="accent1">
+              <a:shade val="50000"/>
+            </a:schemeClr>
+          </a:lnRef>
+          <a:fillRef idx="1">
+            <a:schemeClr val="accent1"/>
+          </a:fillRef>
+          <a:effectRef idx="0">
+            <a:schemeClr val="accent1"/>
+          </a:effectRef>
+          <a:fontRef idx="minor">
+            <a:schemeClr val="lt1"/>
+          </a:fontRef>
+        </p:style>
+        <p:txBody>
+          <a:bodyPr rtlCol="0" anchor="ctr"/>
+          <a:lstStyle/>
+          <a:p>
+            <a:pPr algn="ctr"/>
+            <a:r>
+              <a:rPr lang="en-US" altLang="zh-CN" sz="3200" dirty="0">
+                <a:solidFill>
+                  <a:sysClr val="windowText" lastClr="000000"/>
+                </a:solidFill>
+                <a:latin typeface="Times New Roman" panose="02020603050405020304" pitchFamily="18" charset="0"/>
+                <a:cs typeface="Times New Roman" panose="02020603050405020304" pitchFamily="18" charset="0"/>
+              </a:rPr>
+              <a:t>3</a:t>
+            </a:r>
+            <a:endParaRPr lang="zh-CN" altLang="en-US" sz="3200" dirty="0">
+              <a:solidFill>
+                <a:sysClr val="windowText" lastClr="000000"/>
+              </a:solidFill>
+              <a:latin typeface="Times New Roman" panose="02020603050405020304" pitchFamily="18" charset="0"/>
+              <a:cs typeface="Times New Roman" panose="02020603050405020304" pitchFamily="18" charset="0"/>
+            </a:endParaRPr>
+          </a:p>
+        </p:txBody>
+      </p:sp>
+      <p:sp>
+        <p:nvSpPr>
+          <p:cNvPr id="76" name="矩形 75">
+            <a:extLst>
+              <a:ext uri="{FF2B5EF4-FFF2-40B4-BE49-F238E27FC236}">
+                <a16:creationId xmlns:a16="http://schemas.microsoft.com/office/drawing/2014/main" id="{146973EF-BE83-43DD-B21E-7C2BDD9B2D3A}"/>
+              </a:ext>
+            </a:extLst>
+          </p:cNvPr>
+          <p:cNvSpPr/>
+          <p:nvPr/>
+        </p:nvSpPr>
+        <p:spPr>
+          <a:xfrm>
+            <a:off x="6337636" y="4460213"/>
+            <a:ext cx="716175" cy="515259"/>
+          </a:xfrm>
+          <a:prstGeom prst="rect">
+            <a:avLst/>
+          </a:prstGeom>
+          <a:solidFill>
+            <a:srgbClr val="FFC000"/>
+          </a:solidFill>
+          <a:ln w="6350">
+            <a:solidFill>
+              <a:schemeClr val="tx1"/>
+            </a:solidFill>
+          </a:ln>
+        </p:spPr>
+        <p:style>
+          <a:lnRef idx="2">
+            <a:schemeClr val="accent1">
+              <a:shade val="50000"/>
+            </a:schemeClr>
+          </a:lnRef>
+          <a:fillRef idx="1">
+            <a:schemeClr val="accent1"/>
+          </a:fillRef>
+          <a:effectRef idx="0">
+            <a:schemeClr val="accent1"/>
+          </a:effectRef>
+          <a:fontRef idx="minor">
+            <a:schemeClr val="lt1"/>
+          </a:fontRef>
+        </p:style>
+        <p:txBody>
+          <a:bodyPr rtlCol="0" anchor="ctr"/>
+          <a:lstStyle/>
+          <a:p>
+            <a:pPr algn="ctr"/>
+            <a:r>
+              <a:rPr lang="en-US" altLang="zh-CN" sz="3200" dirty="0">
+                <a:solidFill>
+                  <a:sysClr val="windowText" lastClr="000000"/>
+                </a:solidFill>
+                <a:latin typeface="Times New Roman" panose="02020603050405020304" pitchFamily="18" charset="0"/>
+                <a:cs typeface="Times New Roman" panose="02020603050405020304" pitchFamily="18" charset="0"/>
+              </a:rPr>
+              <a:t>4</a:t>
+            </a:r>
+            <a:endParaRPr lang="zh-CN" altLang="en-US" sz="3200" dirty="0">
+              <a:solidFill>
+                <a:sysClr val="windowText" lastClr="000000"/>
+              </a:solidFill>
+              <a:latin typeface="Times New Roman" panose="02020603050405020304" pitchFamily="18" charset="0"/>
+              <a:cs typeface="Times New Roman" panose="02020603050405020304" pitchFamily="18" charset="0"/>
+            </a:endParaRPr>
+          </a:p>
+        </p:txBody>
+      </p:sp>
+      <p:sp>
+        <p:nvSpPr>
+          <p:cNvPr id="77" name="矩形 76">
+            <a:extLst>
+              <a:ext uri="{FF2B5EF4-FFF2-40B4-BE49-F238E27FC236}">
+                <a16:creationId xmlns:a16="http://schemas.microsoft.com/office/drawing/2014/main" id="{54D3E91D-2C17-4117-BC95-30E4E3B67776}"/>
+              </a:ext>
+            </a:extLst>
+          </p:cNvPr>
+          <p:cNvSpPr/>
+          <p:nvPr/>
+        </p:nvSpPr>
+        <p:spPr>
+          <a:xfrm>
+            <a:off x="7053810" y="4460213"/>
+            <a:ext cx="716175" cy="515259"/>
+          </a:xfrm>
+          <a:prstGeom prst="rect">
+            <a:avLst/>
+          </a:prstGeom>
+          <a:solidFill>
+            <a:srgbClr val="FFC000"/>
+          </a:solidFill>
+          <a:ln w="6350">
+            <a:solidFill>
+              <a:schemeClr val="tx1"/>
+            </a:solidFill>
+          </a:ln>
+        </p:spPr>
+        <p:style>
+          <a:lnRef idx="2">
+            <a:schemeClr val="accent1">
+              <a:shade val="50000"/>
+            </a:schemeClr>
+          </a:lnRef>
+          <a:fillRef idx="1">
+            <a:schemeClr val="accent1"/>
+          </a:fillRef>
+          <a:effectRef idx="0">
+            <a:schemeClr val="accent1"/>
+          </a:effectRef>
+          <a:fontRef idx="minor">
+            <a:schemeClr val="lt1"/>
+          </a:fontRef>
+        </p:style>
+        <p:txBody>
+          <a:bodyPr rtlCol="0" anchor="ctr"/>
+          <a:lstStyle/>
+          <a:p>
+            <a:pPr algn="ctr"/>
+            <a:r>
+              <a:rPr lang="en-US" altLang="zh-CN" sz="3200" dirty="0">
+                <a:solidFill>
+                  <a:sysClr val="windowText" lastClr="000000"/>
+                </a:solidFill>
+                <a:latin typeface="Times New Roman" panose="02020603050405020304" pitchFamily="18" charset="0"/>
+                <a:cs typeface="Times New Roman" panose="02020603050405020304" pitchFamily="18" charset="0"/>
+              </a:rPr>
+              <a:t>5</a:t>
+            </a:r>
+            <a:endParaRPr lang="zh-CN" altLang="en-US" sz="3200" dirty="0">
+              <a:solidFill>
+                <a:sysClr val="windowText" lastClr="000000"/>
+              </a:solidFill>
+              <a:latin typeface="Times New Roman" panose="02020603050405020304" pitchFamily="18" charset="0"/>
+              <a:cs typeface="Times New Roman" panose="02020603050405020304" pitchFamily="18" charset="0"/>
+            </a:endParaRPr>
+          </a:p>
+        </p:txBody>
+      </p:sp>
+      <p:sp>
+        <p:nvSpPr>
+          <p:cNvPr id="78" name="矩形 77">
+            <a:extLst>
+              <a:ext uri="{FF2B5EF4-FFF2-40B4-BE49-F238E27FC236}">
+                <a16:creationId xmlns:a16="http://schemas.microsoft.com/office/drawing/2014/main" id="{D089C2FE-548B-4161-A261-9B9FBBF9D38E}"/>
+              </a:ext>
+            </a:extLst>
+          </p:cNvPr>
+          <p:cNvSpPr/>
+          <p:nvPr/>
+        </p:nvSpPr>
+        <p:spPr>
+          <a:xfrm>
+            <a:off x="2095256" y="4425454"/>
+            <a:ext cx="1313180" cy="584775"/>
+          </a:xfrm>
+          <a:prstGeom prst="rect">
+            <a:avLst/>
+          </a:prstGeom>
+        </p:spPr>
+        <p:txBody>
+          <a:bodyPr wrap="none">
+            <a:spAutoFit/>
+          </a:bodyPr>
+          <a:lstStyle/>
+          <a:p>
+            <a:r>
+              <a:rPr lang="en-US" altLang="zh-CN" sz="3200" dirty="0">
+                <a:latin typeface="Times New Roman" panose="02020603050405020304" pitchFamily="18" charset="0"/>
+                <a:cs typeface="Times New Roman" panose="02020603050405020304" pitchFamily="18" charset="0"/>
+              </a:rPr>
+              <a:t>child</a:t>
+            </a:r>
+            <a:r>
+              <a:rPr lang="zh-CN" altLang="en-US" sz="3200" dirty="0">
+                <a:latin typeface="Times New Roman" panose="02020603050405020304" pitchFamily="18" charset="0"/>
+                <a:cs typeface="Times New Roman" panose="02020603050405020304" pitchFamily="18" charset="0"/>
+              </a:rPr>
+              <a:t>1 </a:t>
+            </a:r>
+          </a:p>
+        </p:txBody>
+      </p:sp>
+      <p:sp>
+        <p:nvSpPr>
+          <p:cNvPr id="79" name="矩形 78">
+            <a:extLst>
+              <a:ext uri="{FF2B5EF4-FFF2-40B4-BE49-F238E27FC236}">
+                <a16:creationId xmlns:a16="http://schemas.microsoft.com/office/drawing/2014/main" id="{DF47FC7A-0444-48F5-A612-8894F5F2FD80}"/>
+              </a:ext>
+            </a:extLst>
+          </p:cNvPr>
+          <p:cNvSpPr/>
+          <p:nvPr/>
+        </p:nvSpPr>
+        <p:spPr>
+          <a:xfrm>
+            <a:off x="4189112" y="5555574"/>
+            <a:ext cx="716175" cy="515259"/>
+          </a:xfrm>
+          <a:prstGeom prst="rect">
+            <a:avLst/>
+          </a:prstGeom>
+          <a:solidFill>
+            <a:srgbClr val="00B0F0"/>
+          </a:solidFill>
+          <a:ln w="6350">
+            <a:solidFill>
+              <a:schemeClr val="tx1"/>
+            </a:solidFill>
+          </a:ln>
+        </p:spPr>
+        <p:style>
+          <a:lnRef idx="2">
+            <a:schemeClr val="accent1">
+              <a:shade val="50000"/>
+            </a:schemeClr>
+          </a:lnRef>
+          <a:fillRef idx="1">
+            <a:schemeClr val="accent1"/>
+          </a:fillRef>
+          <a:effectRef idx="0">
+            <a:schemeClr val="accent1"/>
+          </a:effectRef>
+          <a:fontRef idx="minor">
+            <a:schemeClr val="lt1"/>
+          </a:fontRef>
+        </p:style>
+        <p:txBody>
+          <a:bodyPr rtlCol="0" anchor="ctr"/>
+          <a:lstStyle/>
+          <a:p>
+            <a:pPr algn="ctr"/>
+            <a:r>
+              <a:rPr lang="en-US" altLang="zh-CN" sz="3200" dirty="0">
+                <a:solidFill>
+                  <a:sysClr val="windowText" lastClr="000000"/>
+                </a:solidFill>
+                <a:latin typeface="Times New Roman" panose="02020603050405020304" pitchFamily="18" charset="0"/>
+                <a:cs typeface="Times New Roman" panose="02020603050405020304" pitchFamily="18" charset="0"/>
+              </a:rPr>
+              <a:t>3</a:t>
+            </a:r>
+            <a:endParaRPr lang="zh-CN" altLang="en-US" sz="3200" dirty="0">
+              <a:solidFill>
+                <a:sysClr val="windowText" lastClr="000000"/>
+              </a:solidFill>
+              <a:latin typeface="Times New Roman" panose="02020603050405020304" pitchFamily="18" charset="0"/>
+              <a:cs typeface="Times New Roman" panose="02020603050405020304" pitchFamily="18" charset="0"/>
+            </a:endParaRPr>
+          </a:p>
+        </p:txBody>
+      </p:sp>
+      <p:sp>
+        <p:nvSpPr>
+          <p:cNvPr id="80" name="矩形 79">
+            <a:extLst>
+              <a:ext uri="{FF2B5EF4-FFF2-40B4-BE49-F238E27FC236}">
+                <a16:creationId xmlns:a16="http://schemas.microsoft.com/office/drawing/2014/main" id="{CCFD0044-A255-4D6A-ACE6-DDE92DAEFF0B}"/>
+              </a:ext>
+            </a:extLst>
+          </p:cNvPr>
+          <p:cNvSpPr/>
+          <p:nvPr/>
+        </p:nvSpPr>
+        <p:spPr>
+          <a:xfrm>
+            <a:off x="2082449" y="5515856"/>
+            <a:ext cx="1518364" cy="584776"/>
+          </a:xfrm>
+          <a:prstGeom prst="rect">
+            <a:avLst/>
+          </a:prstGeom>
+        </p:spPr>
+        <p:txBody>
+          <a:bodyPr wrap="none">
+            <a:spAutoFit/>
+          </a:bodyPr>
+          <a:lstStyle/>
+          <a:p>
+            <a:r>
+              <a:rPr lang="zh-CN" altLang="en-US" sz="3200" dirty="0">
+                <a:latin typeface="Times New Roman" panose="02020603050405020304" pitchFamily="18" charset="0"/>
+                <a:cs typeface="Times New Roman" panose="02020603050405020304" pitchFamily="18" charset="0"/>
+              </a:rPr>
+              <a:t>parent</a:t>
+            </a:r>
+            <a:r>
+              <a:rPr lang="en-US" altLang="zh-CN" sz="3200" dirty="0">
+                <a:latin typeface="Times New Roman" panose="02020603050405020304" pitchFamily="18" charset="0"/>
+                <a:cs typeface="Times New Roman" panose="02020603050405020304" pitchFamily="18" charset="0"/>
+              </a:rPr>
+              <a:t>2</a:t>
+            </a:r>
+            <a:r>
+              <a:rPr lang="zh-CN" altLang="en-US" sz="3200" dirty="0">
+                <a:latin typeface="Times New Roman" panose="02020603050405020304" pitchFamily="18" charset="0"/>
+                <a:cs typeface="Times New Roman" panose="02020603050405020304" pitchFamily="18" charset="0"/>
+              </a:rPr>
+              <a:t> </a:t>
+            </a:r>
+          </a:p>
+        </p:txBody>
+      </p:sp>
+      <p:sp>
+        <p:nvSpPr>
+          <p:cNvPr id="81" name="矩形 80">
+            <a:extLst>
+              <a:ext uri="{FF2B5EF4-FFF2-40B4-BE49-F238E27FC236}">
+                <a16:creationId xmlns:a16="http://schemas.microsoft.com/office/drawing/2014/main" id="{5E09915F-A022-4429-8CA0-9C5AF6348AA6}"/>
+              </a:ext>
+            </a:extLst>
+          </p:cNvPr>
+          <p:cNvSpPr/>
+          <p:nvPr/>
+        </p:nvSpPr>
+        <p:spPr>
+          <a:xfrm>
+            <a:off x="4905286" y="5555574"/>
+            <a:ext cx="716175" cy="515259"/>
+          </a:xfrm>
+          <a:prstGeom prst="rect">
+            <a:avLst/>
+          </a:prstGeom>
+          <a:solidFill>
+            <a:srgbClr val="FF0000"/>
+          </a:solidFill>
+          <a:ln w="6350">
+            <a:solidFill>
+              <a:schemeClr val="tx1"/>
+            </a:solidFill>
+          </a:ln>
+        </p:spPr>
+        <p:style>
+          <a:lnRef idx="2">
+            <a:schemeClr val="accent1">
+              <a:shade val="50000"/>
+            </a:schemeClr>
+          </a:lnRef>
+          <a:fillRef idx="1">
+            <a:schemeClr val="accent1"/>
+          </a:fillRef>
+          <a:effectRef idx="0">
+            <a:schemeClr val="accent1"/>
+          </a:effectRef>
+          <a:fontRef idx="minor">
+            <a:schemeClr val="lt1"/>
+          </a:fontRef>
+        </p:style>
+        <p:txBody>
+          <a:bodyPr rtlCol="0" anchor="ctr"/>
+          <a:lstStyle/>
+          <a:p>
+            <a:pPr algn="ctr"/>
+            <a:r>
+              <a:rPr lang="en-US" altLang="zh-CN" sz="3200" dirty="0">
+                <a:solidFill>
+                  <a:sysClr val="windowText" lastClr="000000"/>
+                </a:solidFill>
+                <a:latin typeface="Times New Roman" panose="02020603050405020304" pitchFamily="18" charset="0"/>
+                <a:cs typeface="Times New Roman" panose="02020603050405020304" pitchFamily="18" charset="0"/>
+              </a:rPr>
+              <a:t>5</a:t>
+            </a:r>
+            <a:endParaRPr lang="zh-CN" altLang="en-US" sz="3200" dirty="0">
+              <a:solidFill>
+                <a:sysClr val="windowText" lastClr="000000"/>
+              </a:solidFill>
+              <a:latin typeface="Times New Roman" panose="02020603050405020304" pitchFamily="18" charset="0"/>
+              <a:cs typeface="Times New Roman" panose="02020603050405020304" pitchFamily="18" charset="0"/>
+            </a:endParaRPr>
+          </a:p>
+        </p:txBody>
+      </p:sp>
+      <p:sp>
+        <p:nvSpPr>
+          <p:cNvPr id="82" name="矩形 81">
+            <a:extLst>
+              <a:ext uri="{FF2B5EF4-FFF2-40B4-BE49-F238E27FC236}">
+                <a16:creationId xmlns:a16="http://schemas.microsoft.com/office/drawing/2014/main" id="{63E499D2-7F0F-4D4C-A345-CB81198381F3}"/>
+              </a:ext>
+            </a:extLst>
+          </p:cNvPr>
+          <p:cNvSpPr/>
+          <p:nvPr/>
+        </p:nvSpPr>
+        <p:spPr>
+          <a:xfrm>
+            <a:off x="5621461" y="5555574"/>
+            <a:ext cx="716175" cy="515259"/>
+          </a:xfrm>
+          <a:prstGeom prst="rect">
+            <a:avLst/>
+          </a:prstGeom>
+          <a:solidFill>
+            <a:srgbClr val="00B0F0"/>
+          </a:solidFill>
+          <a:ln w="6350">
+            <a:solidFill>
+              <a:schemeClr val="tx1"/>
+            </a:solidFill>
+          </a:ln>
+        </p:spPr>
+        <p:style>
+          <a:lnRef idx="2">
+            <a:schemeClr val="accent1">
+              <a:shade val="50000"/>
+            </a:schemeClr>
+          </a:lnRef>
+          <a:fillRef idx="1">
+            <a:schemeClr val="accent1"/>
+          </a:fillRef>
+          <a:effectRef idx="0">
+            <a:schemeClr val="accent1"/>
+          </a:effectRef>
+          <a:fontRef idx="minor">
+            <a:schemeClr val="lt1"/>
+          </a:fontRef>
+        </p:style>
+        <p:txBody>
+          <a:bodyPr rtlCol="0" anchor="ctr"/>
+          <a:lstStyle/>
+          <a:p>
+            <a:pPr algn="ctr"/>
+            <a:r>
+              <a:rPr lang="en-US" altLang="zh-CN" sz="3200" dirty="0">
+                <a:solidFill>
+                  <a:sysClr val="windowText" lastClr="000000"/>
+                </a:solidFill>
+                <a:latin typeface="Times New Roman" panose="02020603050405020304" pitchFamily="18" charset="0"/>
+                <a:cs typeface="Times New Roman" panose="02020603050405020304" pitchFamily="18" charset="0"/>
+              </a:rPr>
+              <a:t>8</a:t>
+            </a:r>
+            <a:endParaRPr lang="zh-CN" altLang="en-US" sz="3200" dirty="0">
+              <a:solidFill>
+                <a:sysClr val="windowText" lastClr="000000"/>
+              </a:solidFill>
+              <a:latin typeface="Times New Roman" panose="02020603050405020304" pitchFamily="18" charset="0"/>
+              <a:cs typeface="Times New Roman" panose="02020603050405020304" pitchFamily="18" charset="0"/>
+            </a:endParaRPr>
+          </a:p>
+        </p:txBody>
+      </p:sp>
+      <p:sp>
+        <p:nvSpPr>
+          <p:cNvPr id="83" name="矩形 82">
+            <a:extLst>
+              <a:ext uri="{FF2B5EF4-FFF2-40B4-BE49-F238E27FC236}">
+                <a16:creationId xmlns:a16="http://schemas.microsoft.com/office/drawing/2014/main" id="{F9AF2254-6FEE-4123-9ECC-8F3F9FF201CB}"/>
+              </a:ext>
+            </a:extLst>
+          </p:cNvPr>
+          <p:cNvSpPr/>
+          <p:nvPr/>
+        </p:nvSpPr>
+        <p:spPr>
+          <a:xfrm>
+            <a:off x="6337636" y="5555574"/>
+            <a:ext cx="716175" cy="515259"/>
+          </a:xfrm>
+          <a:prstGeom prst="rect">
+            <a:avLst/>
+          </a:prstGeom>
+          <a:solidFill>
+            <a:srgbClr val="00B0F0"/>
+          </a:solidFill>
+          <a:ln w="6350">
+            <a:solidFill>
+              <a:schemeClr val="tx1"/>
+            </a:solidFill>
+          </a:ln>
+        </p:spPr>
+        <p:style>
+          <a:lnRef idx="2">
+            <a:schemeClr val="accent1">
+              <a:shade val="50000"/>
+            </a:schemeClr>
+          </a:lnRef>
+          <a:fillRef idx="1">
+            <a:schemeClr val="accent1"/>
+          </a:fillRef>
+          <a:effectRef idx="0">
+            <a:schemeClr val="accent1"/>
+          </a:effectRef>
+          <a:fontRef idx="minor">
+            <a:schemeClr val="lt1"/>
+          </a:fontRef>
+        </p:style>
+        <p:txBody>
+          <a:bodyPr rtlCol="0" anchor="ctr"/>
+          <a:lstStyle/>
+          <a:p>
+            <a:pPr algn="ctr"/>
+            <a:r>
+              <a:rPr lang="en-US" altLang="zh-CN" sz="3200" dirty="0">
+                <a:solidFill>
+                  <a:sysClr val="windowText" lastClr="000000"/>
+                </a:solidFill>
+                <a:latin typeface="Times New Roman" panose="02020603050405020304" pitchFamily="18" charset="0"/>
+                <a:cs typeface="Times New Roman" panose="02020603050405020304" pitchFamily="18" charset="0"/>
+              </a:rPr>
+              <a:t>1</a:t>
+            </a:r>
+            <a:endParaRPr lang="zh-CN" altLang="en-US" sz="3200" dirty="0">
+              <a:solidFill>
+                <a:sysClr val="windowText" lastClr="000000"/>
+              </a:solidFill>
+              <a:latin typeface="Times New Roman" panose="02020603050405020304" pitchFamily="18" charset="0"/>
+              <a:cs typeface="Times New Roman" panose="02020603050405020304" pitchFamily="18" charset="0"/>
+            </a:endParaRPr>
+          </a:p>
+        </p:txBody>
+      </p:sp>
+      <p:sp>
+        <p:nvSpPr>
+          <p:cNvPr id="84" name="矩形 83">
+            <a:extLst>
+              <a:ext uri="{FF2B5EF4-FFF2-40B4-BE49-F238E27FC236}">
+                <a16:creationId xmlns:a16="http://schemas.microsoft.com/office/drawing/2014/main" id="{6AC836C5-7740-43FF-A804-F39B684F005B}"/>
+              </a:ext>
+            </a:extLst>
+          </p:cNvPr>
+          <p:cNvSpPr/>
+          <p:nvPr/>
+        </p:nvSpPr>
+        <p:spPr>
+          <a:xfrm>
+            <a:off x="7053810" y="5555574"/>
+            <a:ext cx="716175" cy="515259"/>
+          </a:xfrm>
+          <a:prstGeom prst="rect">
+            <a:avLst/>
+          </a:prstGeom>
+          <a:solidFill>
+            <a:srgbClr val="00B0F0"/>
+          </a:solidFill>
+          <a:ln w="6350">
+            <a:solidFill>
+              <a:schemeClr val="tx1"/>
+            </a:solidFill>
+          </a:ln>
+        </p:spPr>
+        <p:style>
+          <a:lnRef idx="2">
+            <a:schemeClr val="accent1">
+              <a:shade val="50000"/>
+            </a:schemeClr>
+          </a:lnRef>
+          <a:fillRef idx="1">
+            <a:schemeClr val="accent1"/>
+          </a:fillRef>
+          <a:effectRef idx="0">
+            <a:schemeClr val="accent1"/>
+          </a:effectRef>
+          <a:fontRef idx="minor">
+            <a:schemeClr val="lt1"/>
+          </a:fontRef>
+        </p:style>
+        <p:txBody>
+          <a:bodyPr rtlCol="0" anchor="ctr"/>
+          <a:lstStyle/>
+          <a:p>
+            <a:pPr algn="ctr"/>
+            <a:r>
+              <a:rPr lang="en-US" altLang="zh-CN" sz="3200" dirty="0">
+                <a:solidFill>
+                  <a:sysClr val="windowText" lastClr="000000"/>
+                </a:solidFill>
+                <a:latin typeface="Times New Roman" panose="02020603050405020304" pitchFamily="18" charset="0"/>
+                <a:cs typeface="Times New Roman" panose="02020603050405020304" pitchFamily="18" charset="0"/>
+              </a:rPr>
+              <a:t>7</a:t>
+            </a:r>
+            <a:endParaRPr lang="zh-CN" altLang="en-US" sz="3200" dirty="0">
+              <a:solidFill>
+                <a:sysClr val="windowText" lastClr="000000"/>
+              </a:solidFill>
+              <a:latin typeface="Times New Roman" panose="02020603050405020304" pitchFamily="18" charset="0"/>
+              <a:cs typeface="Times New Roman" panose="02020603050405020304" pitchFamily="18" charset="0"/>
+            </a:endParaRPr>
+          </a:p>
+        </p:txBody>
+      </p:sp>
+      <p:sp>
+        <p:nvSpPr>
+          <p:cNvPr id="85" name="矩形 84">
+            <a:extLst>
+              <a:ext uri="{FF2B5EF4-FFF2-40B4-BE49-F238E27FC236}">
+                <a16:creationId xmlns:a16="http://schemas.microsoft.com/office/drawing/2014/main" id="{8DC87D56-4DB9-450E-B553-6E90A92C7551}"/>
+              </a:ext>
+            </a:extLst>
+          </p:cNvPr>
+          <p:cNvSpPr/>
+          <p:nvPr/>
+        </p:nvSpPr>
+        <p:spPr>
+          <a:xfrm>
+            <a:off x="7769985" y="5555574"/>
+            <a:ext cx="716175" cy="515259"/>
+          </a:xfrm>
+          <a:prstGeom prst="rect">
+            <a:avLst/>
+          </a:prstGeom>
+          <a:solidFill>
+            <a:srgbClr val="00B0F0"/>
+          </a:solidFill>
+          <a:ln w="6350">
+            <a:solidFill>
+              <a:schemeClr val="tx1"/>
+            </a:solidFill>
+          </a:ln>
+        </p:spPr>
+        <p:style>
+          <a:lnRef idx="2">
+            <a:schemeClr val="accent1">
+              <a:shade val="50000"/>
+            </a:schemeClr>
+          </a:lnRef>
+          <a:fillRef idx="1">
+            <a:schemeClr val="accent1"/>
+          </a:fillRef>
+          <a:effectRef idx="0">
+            <a:schemeClr val="accent1"/>
+          </a:effectRef>
+          <a:fontRef idx="minor">
+            <a:schemeClr val="lt1"/>
+          </a:fontRef>
+        </p:style>
+        <p:txBody>
+          <a:bodyPr rtlCol="0" anchor="ctr"/>
+          <a:lstStyle/>
+          <a:p>
+            <a:pPr algn="ctr"/>
+            <a:r>
+              <a:rPr lang="en-US" altLang="zh-CN" sz="3200" dirty="0">
+                <a:solidFill>
+                  <a:sysClr val="windowText" lastClr="000000"/>
+                </a:solidFill>
+                <a:latin typeface="Times New Roman" panose="02020603050405020304" pitchFamily="18" charset="0"/>
+                <a:cs typeface="Times New Roman" panose="02020603050405020304" pitchFamily="18" charset="0"/>
+              </a:rPr>
+              <a:t>4</a:t>
+            </a:r>
+            <a:endParaRPr lang="zh-CN" altLang="en-US" sz="3200" dirty="0">
+              <a:solidFill>
+                <a:sysClr val="windowText" lastClr="000000"/>
+              </a:solidFill>
+              <a:latin typeface="Times New Roman" panose="02020603050405020304" pitchFamily="18" charset="0"/>
+              <a:cs typeface="Times New Roman" panose="02020603050405020304" pitchFamily="18" charset="0"/>
+            </a:endParaRPr>
+          </a:p>
+        </p:txBody>
+      </p:sp>
+      <p:sp>
+        <p:nvSpPr>
+          <p:cNvPr id="86" name="矩形 85">
+            <a:extLst>
+              <a:ext uri="{FF2B5EF4-FFF2-40B4-BE49-F238E27FC236}">
+                <a16:creationId xmlns:a16="http://schemas.microsoft.com/office/drawing/2014/main" id="{653EFF33-C322-41B8-BBAC-EDC0BF84B0C6}"/>
+              </a:ext>
+            </a:extLst>
+          </p:cNvPr>
+          <p:cNvSpPr/>
+          <p:nvPr/>
+        </p:nvSpPr>
+        <p:spPr>
+          <a:xfrm>
+            <a:off x="8486160" y="5555574"/>
+            <a:ext cx="716175" cy="515259"/>
+          </a:xfrm>
+          <a:prstGeom prst="rect">
+            <a:avLst/>
+          </a:prstGeom>
+          <a:solidFill>
+            <a:srgbClr val="00B0F0"/>
+          </a:solidFill>
+          <a:ln w="6350">
+            <a:solidFill>
+              <a:schemeClr val="tx1"/>
+            </a:solidFill>
+          </a:ln>
+        </p:spPr>
+        <p:style>
+          <a:lnRef idx="2">
+            <a:schemeClr val="accent1">
+              <a:shade val="50000"/>
+            </a:schemeClr>
+          </a:lnRef>
+          <a:fillRef idx="1">
+            <a:schemeClr val="accent1"/>
+          </a:fillRef>
+          <a:effectRef idx="0">
+            <a:schemeClr val="accent1"/>
+          </a:effectRef>
+          <a:fontRef idx="minor">
+            <a:schemeClr val="lt1"/>
+          </a:fontRef>
+        </p:style>
+        <p:txBody>
+          <a:bodyPr rtlCol="0" anchor="ctr"/>
+          <a:lstStyle/>
+          <a:p>
+            <a:pPr algn="ctr"/>
+            <a:r>
+              <a:rPr lang="en-US" altLang="zh-CN" sz="3200" dirty="0">
+                <a:solidFill>
+                  <a:sysClr val="windowText" lastClr="000000"/>
+                </a:solidFill>
+                <a:latin typeface="Times New Roman" panose="02020603050405020304" pitchFamily="18" charset="0"/>
+                <a:cs typeface="Times New Roman" panose="02020603050405020304" pitchFamily="18" charset="0"/>
+              </a:rPr>
+              <a:t>2</a:t>
+            </a:r>
+            <a:endParaRPr lang="zh-CN" altLang="en-US" sz="3200" dirty="0">
+              <a:solidFill>
+                <a:sysClr val="windowText" lastClr="000000"/>
+              </a:solidFill>
+              <a:latin typeface="Times New Roman" panose="02020603050405020304" pitchFamily="18" charset="0"/>
+              <a:cs typeface="Times New Roman" panose="02020603050405020304" pitchFamily="18" charset="0"/>
+            </a:endParaRPr>
+          </a:p>
+        </p:txBody>
+      </p:sp>
+      <p:sp>
+        <p:nvSpPr>
+          <p:cNvPr id="87" name="矩形 86">
+            <a:extLst>
+              <a:ext uri="{FF2B5EF4-FFF2-40B4-BE49-F238E27FC236}">
+                <a16:creationId xmlns:a16="http://schemas.microsoft.com/office/drawing/2014/main" id="{6AD94816-88A2-4F86-B2FE-27CCA7D8F444}"/>
+              </a:ext>
+            </a:extLst>
+          </p:cNvPr>
+          <p:cNvSpPr/>
+          <p:nvPr/>
+        </p:nvSpPr>
+        <p:spPr>
+          <a:xfrm>
+            <a:off x="9202334" y="5555574"/>
+            <a:ext cx="716175" cy="515259"/>
+          </a:xfrm>
+          <a:prstGeom prst="rect">
+            <a:avLst/>
+          </a:prstGeom>
+          <a:solidFill>
+            <a:srgbClr val="00B0F0"/>
+          </a:solidFill>
+          <a:ln w="6350">
+            <a:solidFill>
+              <a:schemeClr val="tx1"/>
+            </a:solidFill>
+          </a:ln>
+        </p:spPr>
+        <p:style>
+          <a:lnRef idx="2">
+            <a:schemeClr val="accent1">
+              <a:shade val="50000"/>
+            </a:schemeClr>
+          </a:lnRef>
+          <a:fillRef idx="1">
+            <a:schemeClr val="accent1"/>
+          </a:fillRef>
+          <a:effectRef idx="0">
+            <a:schemeClr val="accent1"/>
+          </a:effectRef>
+          <a:fontRef idx="minor">
+            <a:schemeClr val="lt1"/>
+          </a:fontRef>
+        </p:style>
+        <p:txBody>
+          <a:bodyPr rtlCol="0" anchor="ctr"/>
+          <a:lstStyle/>
+          <a:p>
+            <a:pPr algn="ctr"/>
+            <a:r>
+              <a:rPr lang="en-US" altLang="zh-CN" sz="3200" dirty="0">
+                <a:solidFill>
+                  <a:sysClr val="windowText" lastClr="000000"/>
+                </a:solidFill>
+                <a:latin typeface="Times New Roman" panose="02020603050405020304" pitchFamily="18" charset="0"/>
+                <a:cs typeface="Times New Roman" panose="02020603050405020304" pitchFamily="18" charset="0"/>
+              </a:rPr>
+              <a:t>6</a:t>
+            </a:r>
+            <a:endParaRPr lang="zh-CN" altLang="en-US" sz="3200" dirty="0">
+              <a:solidFill>
+                <a:sysClr val="windowText" lastClr="000000"/>
+              </a:solidFill>
+              <a:latin typeface="Times New Roman" panose="02020603050405020304" pitchFamily="18" charset="0"/>
+              <a:cs typeface="Times New Roman" panose="02020603050405020304" pitchFamily="18" charset="0"/>
+            </a:endParaRPr>
+          </a:p>
+        </p:txBody>
+      </p:sp>
+      <p:sp>
+        <p:nvSpPr>
+          <p:cNvPr id="88" name="矩形 87">
+            <a:extLst>
+              <a:ext uri="{FF2B5EF4-FFF2-40B4-BE49-F238E27FC236}">
+                <a16:creationId xmlns:a16="http://schemas.microsoft.com/office/drawing/2014/main" id="{B2A102F5-EC35-49BC-A9A1-3A0DB73A09E4}"/>
+              </a:ext>
+            </a:extLst>
+          </p:cNvPr>
+          <p:cNvSpPr/>
+          <p:nvPr/>
+        </p:nvSpPr>
+        <p:spPr>
+          <a:xfrm>
+            <a:off x="4190843" y="5556628"/>
+            <a:ext cx="716175" cy="515259"/>
+          </a:xfrm>
+          <a:prstGeom prst="rect">
+            <a:avLst/>
+          </a:prstGeom>
+          <a:solidFill>
+            <a:srgbClr val="FF0000"/>
+          </a:solidFill>
+          <a:ln w="6350">
+            <a:solidFill>
+              <a:schemeClr val="tx1"/>
+            </a:solidFill>
+          </a:ln>
+        </p:spPr>
+        <p:style>
+          <a:lnRef idx="2">
+            <a:schemeClr val="accent1">
+              <a:shade val="50000"/>
+            </a:schemeClr>
+          </a:lnRef>
+          <a:fillRef idx="1">
+            <a:schemeClr val="accent1"/>
+          </a:fillRef>
+          <a:effectRef idx="0">
+            <a:schemeClr val="accent1"/>
+          </a:effectRef>
+          <a:fontRef idx="minor">
+            <a:schemeClr val="lt1"/>
+          </a:fontRef>
+        </p:style>
+        <p:txBody>
+          <a:bodyPr rtlCol="0" anchor="ctr"/>
+          <a:lstStyle/>
+          <a:p>
+            <a:pPr algn="ctr"/>
+            <a:r>
+              <a:rPr lang="en-US" altLang="zh-CN" sz="3200" dirty="0">
+                <a:solidFill>
+                  <a:sysClr val="windowText" lastClr="000000"/>
+                </a:solidFill>
+                <a:latin typeface="Times New Roman" panose="02020603050405020304" pitchFamily="18" charset="0"/>
+                <a:cs typeface="Times New Roman" panose="02020603050405020304" pitchFamily="18" charset="0"/>
+              </a:rPr>
+              <a:t>3</a:t>
+            </a:r>
+            <a:endParaRPr lang="zh-CN" altLang="en-US" sz="3200" dirty="0">
+              <a:solidFill>
+                <a:sysClr val="windowText" lastClr="000000"/>
+              </a:solidFill>
+              <a:latin typeface="Times New Roman" panose="02020603050405020304" pitchFamily="18" charset="0"/>
+              <a:cs typeface="Times New Roman" panose="02020603050405020304" pitchFamily="18" charset="0"/>
+            </a:endParaRPr>
+          </a:p>
+        </p:txBody>
+      </p:sp>
+      <p:sp>
+        <p:nvSpPr>
+          <p:cNvPr id="89" name="矩形 88">
+            <a:extLst>
+              <a:ext uri="{FF2B5EF4-FFF2-40B4-BE49-F238E27FC236}">
+                <a16:creationId xmlns:a16="http://schemas.microsoft.com/office/drawing/2014/main" id="{60102978-EF32-425F-A55A-CA3775BA48A8}"/>
+              </a:ext>
+            </a:extLst>
+          </p:cNvPr>
+          <p:cNvSpPr/>
+          <p:nvPr/>
+        </p:nvSpPr>
+        <p:spPr>
+          <a:xfrm>
+            <a:off x="7769983" y="5555574"/>
+            <a:ext cx="716175" cy="515259"/>
+          </a:xfrm>
+          <a:prstGeom prst="rect">
+            <a:avLst/>
+          </a:prstGeom>
+          <a:solidFill>
+            <a:srgbClr val="FF0000"/>
+          </a:solidFill>
+          <a:ln w="6350">
+            <a:solidFill>
+              <a:schemeClr val="tx1"/>
+            </a:solidFill>
+          </a:ln>
+        </p:spPr>
+        <p:style>
+          <a:lnRef idx="2">
+            <a:schemeClr val="accent1">
+              <a:shade val="50000"/>
+            </a:schemeClr>
+          </a:lnRef>
+          <a:fillRef idx="1">
+            <a:schemeClr val="accent1"/>
+          </a:fillRef>
+          <a:effectRef idx="0">
+            <a:schemeClr val="accent1"/>
+          </a:effectRef>
+          <a:fontRef idx="minor">
+            <a:schemeClr val="lt1"/>
+          </a:fontRef>
+        </p:style>
+        <p:txBody>
+          <a:bodyPr rtlCol="0" anchor="ctr"/>
+          <a:lstStyle/>
+          <a:p>
+            <a:pPr algn="ctr"/>
+            <a:r>
+              <a:rPr lang="en-US" altLang="zh-CN" sz="3200" dirty="0">
+                <a:solidFill>
+                  <a:sysClr val="windowText" lastClr="000000"/>
+                </a:solidFill>
+                <a:latin typeface="Times New Roman" panose="02020603050405020304" pitchFamily="18" charset="0"/>
+                <a:cs typeface="Times New Roman" panose="02020603050405020304" pitchFamily="18" charset="0"/>
+              </a:rPr>
+              <a:t>4</a:t>
+            </a:r>
+            <a:endParaRPr lang="zh-CN" altLang="en-US" sz="3200" dirty="0">
+              <a:solidFill>
+                <a:sysClr val="windowText" lastClr="000000"/>
+              </a:solidFill>
+              <a:latin typeface="Times New Roman" panose="02020603050405020304" pitchFamily="18" charset="0"/>
+              <a:cs typeface="Times New Roman" panose="02020603050405020304" pitchFamily="18" charset="0"/>
+            </a:endParaRPr>
+          </a:p>
+        </p:txBody>
+      </p:sp>
+      <p:sp>
+        <p:nvSpPr>
+          <p:cNvPr id="90" name="矩形 89">
+            <a:extLst>
+              <a:ext uri="{FF2B5EF4-FFF2-40B4-BE49-F238E27FC236}">
+                <a16:creationId xmlns:a16="http://schemas.microsoft.com/office/drawing/2014/main" id="{120005B1-53DE-4A67-B624-13681C4B5B2E}"/>
+              </a:ext>
+            </a:extLst>
+          </p:cNvPr>
+          <p:cNvSpPr/>
+          <p:nvPr/>
+        </p:nvSpPr>
+        <p:spPr>
+          <a:xfrm>
+            <a:off x="8486157" y="5553509"/>
+            <a:ext cx="716175" cy="515259"/>
+          </a:xfrm>
+          <a:prstGeom prst="rect">
+            <a:avLst/>
+          </a:prstGeom>
+          <a:solidFill>
+            <a:srgbClr val="FF0000"/>
+          </a:solidFill>
+          <a:ln w="6350">
+            <a:solidFill>
+              <a:schemeClr val="tx1"/>
+            </a:solidFill>
+          </a:ln>
+        </p:spPr>
+        <p:style>
+          <a:lnRef idx="2">
+            <a:schemeClr val="accent1">
+              <a:shade val="50000"/>
+            </a:schemeClr>
+          </a:lnRef>
+          <a:fillRef idx="1">
+            <a:schemeClr val="accent1"/>
+          </a:fillRef>
+          <a:effectRef idx="0">
+            <a:schemeClr val="accent1"/>
+          </a:effectRef>
+          <a:fontRef idx="minor">
+            <a:schemeClr val="lt1"/>
+          </a:fontRef>
+        </p:style>
+        <p:txBody>
+          <a:bodyPr rtlCol="0" anchor="ctr"/>
+          <a:lstStyle/>
+          <a:p>
+            <a:pPr algn="ctr"/>
+            <a:r>
+              <a:rPr lang="en-US" altLang="zh-CN" sz="3200" dirty="0">
+                <a:solidFill>
+                  <a:sysClr val="windowText" lastClr="000000"/>
+                </a:solidFill>
+                <a:latin typeface="Times New Roman" panose="02020603050405020304" pitchFamily="18" charset="0"/>
+                <a:cs typeface="Times New Roman" panose="02020603050405020304" pitchFamily="18" charset="0"/>
+              </a:rPr>
+              <a:t>2</a:t>
+            </a:r>
+            <a:endParaRPr lang="zh-CN" altLang="en-US" sz="3200" dirty="0">
+              <a:solidFill>
+                <a:sysClr val="windowText" lastClr="000000"/>
+              </a:solidFill>
+              <a:latin typeface="Times New Roman" panose="02020603050405020304" pitchFamily="18" charset="0"/>
+              <a:cs typeface="Times New Roman" panose="02020603050405020304" pitchFamily="18" charset="0"/>
+            </a:endParaRPr>
+          </a:p>
+        </p:txBody>
+      </p:sp>
+    </p:spTree>
+    <p:extLst>
+      <p:ext uri="{BB962C8B-B14F-4D97-AF65-F5344CB8AC3E}">
+        <p14:creationId xmlns:p14="http://schemas.microsoft.com/office/powerpoint/2010/main" val="3673026071"/>
+      </p:ext>
+    </p:extLst>
+  </p:cSld>
+  <p:clrMapOvr>
+    <a:masterClrMapping/>
+  </p:clrMapOvr>
+  <p:timing>
+    <p:tnLst>
+      <p:par>
+        <p:cTn id="1" dur="indefinite" restart="never" nodeType="tmRoot">
+          <p:childTnLst>
+            <p:seq concurrent="1" nextAc="seek">
+              <p:cTn id="2" dur="indefinite" nodeType="mainSeq">
+                <p:childTnLst>
+                  <p:par>
+                    <p:cTn id="3" fill="hold">
+                      <p:stCondLst>
+                        <p:cond delay="indefinite"/>
+                        <p:cond evt="onBegin" delay="0">
+                          <p:tn val="2"/>
+                        </p:cond>
+                      </p:stCondLst>
+                      <p:childTnLst>
+                        <p:par>
+                          <p:cTn id="4" fill="hold">
+                            <p:stCondLst>
+                              <p:cond delay="0"/>
+                            </p:stCondLst>
+                            <p:childTnLst>
+                              <p:par>
+                                <p:cTn id="5" presetID="10" presetClass="entr" presetSubtype="0" fill="hold" nodeType="afterEffect">
+                                  <p:stCondLst>
+                                    <p:cond delay="500"/>
+                                  </p:stCondLst>
+                                  <p:childTnLst>
+                                    <p:set>
+                                      <p:cBhvr>
+                                        <p:cTn id="6" dur="1" fill="hold">
+                                          <p:stCondLst>
+                                            <p:cond delay="0"/>
+                                          </p:stCondLst>
+                                        </p:cTn>
+                                        <p:tgtEl>
+                                          <p:spTgt spid="3"/>
+                                        </p:tgtEl>
+                                        <p:attrNameLst>
+                                          <p:attrName>style.visibility</p:attrName>
+                                        </p:attrNameLst>
+                                      </p:cBhvr>
+                                      <p:to>
+                                        <p:strVal val="visible"/>
+                                      </p:to>
+                                    </p:set>
+                                    <p:animEffect transition="in" filter="fade">
+                                      <p:cBhvr>
+                                        <p:cTn id="7" dur="1000"/>
+                                        <p:tgtEl>
+                                          <p:spTgt spid="3"/>
+                                        </p:tgtEl>
+                                      </p:cBhvr>
+                                    </p:animEffect>
+                                  </p:childTnLst>
+                                </p:cTn>
+                              </p:par>
+                            </p:childTnLst>
+                          </p:cTn>
+                        </p:par>
+                        <p:par>
+                          <p:cTn id="8" fill="hold">
+                            <p:stCondLst>
+                              <p:cond delay="1500"/>
+                            </p:stCondLst>
+                            <p:childTnLst>
+                              <p:par>
+                                <p:cTn id="9" presetID="10" presetClass="entr" presetSubtype="0" fill="hold" nodeType="afterEffect">
+                                  <p:stCondLst>
+                                    <p:cond delay="500"/>
+                                  </p:stCondLst>
+                                  <p:childTnLst>
+                                    <p:set>
+                                      <p:cBhvr>
+                                        <p:cTn id="10" dur="1" fill="hold">
+                                          <p:stCondLst>
+                                            <p:cond delay="0"/>
+                                          </p:stCondLst>
+                                        </p:cTn>
+                                        <p:tgtEl>
+                                          <p:spTgt spid="30"/>
+                                        </p:tgtEl>
+                                        <p:attrNameLst>
+                                          <p:attrName>style.visibility</p:attrName>
+                                        </p:attrNameLst>
+                                      </p:cBhvr>
+                                      <p:to>
+                                        <p:strVal val="visible"/>
+                                      </p:to>
+                                    </p:set>
+                                    <p:animEffect transition="in" filter="fade">
+                                      <p:cBhvr>
+                                        <p:cTn id="11" dur="1000"/>
+                                        <p:tgtEl>
+                                          <p:spTgt spid="30"/>
+                                        </p:tgtEl>
+                                      </p:cBhvr>
+                                    </p:animEffect>
+                                  </p:childTnLst>
+                                </p:cTn>
+                              </p:par>
+                              <p:par>
+                                <p:cTn id="12" presetID="42" presetClass="path" presetSubtype="0" accel="50000" decel="50000" fill="hold" grpId="0" nodeType="withEffect">
+                                  <p:stCondLst>
+                                    <p:cond delay="500"/>
+                                  </p:stCondLst>
+                                  <p:childTnLst>
+                                    <p:animMotion origin="layout" path="M -6.25E-7 -2.22222E-6 L 0.00013 0.125 " pathEditMode="relative" rAng="0" ptsTypes="AA">
+                                      <p:cBhvr>
+                                        <p:cTn id="13" dur="2000" fill="hold"/>
+                                        <p:tgtEl>
+                                          <p:spTgt spid="96"/>
+                                        </p:tgtEl>
+                                        <p:attrNameLst>
+                                          <p:attrName>ppt_x</p:attrName>
+                                          <p:attrName>ppt_y</p:attrName>
+                                        </p:attrNameLst>
+                                      </p:cBhvr>
+                                      <p:rCtr x="0" y="6250"/>
+                                    </p:animMotion>
+                                  </p:childTnLst>
+                                </p:cTn>
+                              </p:par>
+                              <p:par>
+                                <p:cTn id="14" presetID="42" presetClass="path" presetSubtype="0" accel="50000" decel="50000" fill="hold" grpId="0" nodeType="withEffect">
+                                  <p:stCondLst>
+                                    <p:cond delay="500"/>
+                                  </p:stCondLst>
+                                  <p:childTnLst>
+                                    <p:animMotion origin="layout" path="M -4.58333E-6 -2.22222E-6 L 0.00013 0.125 " pathEditMode="relative" rAng="0" ptsTypes="AA">
+                                      <p:cBhvr>
+                                        <p:cTn id="15" dur="2000" fill="hold"/>
+                                        <p:tgtEl>
+                                          <p:spTgt spid="97"/>
+                                        </p:tgtEl>
+                                        <p:attrNameLst>
+                                          <p:attrName>ppt_x</p:attrName>
+                                          <p:attrName>ppt_y</p:attrName>
+                                        </p:attrNameLst>
+                                      </p:cBhvr>
+                                      <p:rCtr x="0" y="6250"/>
+                                    </p:animMotion>
+                                  </p:childTnLst>
+                                </p:cTn>
+                              </p:par>
+                              <p:par>
+                                <p:cTn id="16" presetID="42" presetClass="path" presetSubtype="0" accel="50000" decel="50000" fill="hold" grpId="0" nodeType="withEffect">
+                                  <p:stCondLst>
+                                    <p:cond delay="500"/>
+                                  </p:stCondLst>
+                                  <p:childTnLst>
+                                    <p:animMotion origin="layout" path="M 1.45833E-6 -2.22222E-6 L 0.00026 0.125 " pathEditMode="relative" rAng="0" ptsTypes="AA">
+                                      <p:cBhvr>
+                                        <p:cTn id="17" dur="2000" fill="hold"/>
+                                        <p:tgtEl>
+                                          <p:spTgt spid="98"/>
+                                        </p:tgtEl>
+                                        <p:attrNameLst>
+                                          <p:attrName>ppt_x</p:attrName>
+                                          <p:attrName>ppt_y</p:attrName>
+                                        </p:attrNameLst>
+                                      </p:cBhvr>
+                                      <p:rCtr x="13" y="6250"/>
+                                    </p:animMotion>
+                                  </p:childTnLst>
+                                </p:cTn>
+                              </p:par>
+                              <p:par>
+                                <p:cTn id="18" presetID="42" presetClass="path" presetSubtype="0" accel="50000" decel="50000" fill="hold" grpId="0" nodeType="withEffect">
+                                  <p:stCondLst>
+                                    <p:cond delay="500"/>
+                                  </p:stCondLst>
+                                  <p:childTnLst>
+                                    <p:animMotion origin="layout" path="M -2.5E-6 -2.22222E-6 L -0.00013 0.125 " pathEditMode="relative" rAng="0" ptsTypes="AA">
+                                      <p:cBhvr>
+                                        <p:cTn id="19" dur="2000" fill="hold"/>
+                                        <p:tgtEl>
+                                          <p:spTgt spid="121"/>
+                                        </p:tgtEl>
+                                        <p:attrNameLst>
+                                          <p:attrName>ppt_x</p:attrName>
+                                          <p:attrName>ppt_y</p:attrName>
+                                        </p:attrNameLst>
+                                      </p:cBhvr>
+                                      <p:rCtr x="-13" y="6250"/>
+                                    </p:animMotion>
+                                  </p:childTnLst>
+                                </p:cTn>
+                              </p:par>
+                              <p:par>
+                                <p:cTn id="20" presetID="10" presetClass="entr" presetSubtype="0" fill="hold" grpId="0" nodeType="withEffect">
+                                  <p:stCondLst>
+                                    <p:cond delay="1000"/>
+                                  </p:stCondLst>
+                                  <p:childTnLst>
+                                    <p:set>
+                                      <p:cBhvr>
+                                        <p:cTn id="21" dur="1" fill="hold">
+                                          <p:stCondLst>
+                                            <p:cond delay="0"/>
+                                          </p:stCondLst>
+                                        </p:cTn>
+                                        <p:tgtEl>
+                                          <p:spTgt spid="52"/>
+                                        </p:tgtEl>
+                                        <p:attrNameLst>
+                                          <p:attrName>style.visibility</p:attrName>
+                                        </p:attrNameLst>
+                                      </p:cBhvr>
+                                      <p:to>
+                                        <p:strVal val="visible"/>
+                                      </p:to>
+                                    </p:set>
+                                    <p:animEffect transition="in" filter="fade">
+                                      <p:cBhvr>
+                                        <p:cTn id="22" dur="1000"/>
+                                        <p:tgtEl>
+                                          <p:spTgt spid="52"/>
+                                        </p:tgtEl>
+                                      </p:cBhvr>
+                                    </p:animEffect>
+                                  </p:childTnLst>
+                                </p:cTn>
+                              </p:par>
+                              <p:par>
+                                <p:cTn id="23" presetID="42" presetClass="path" presetSubtype="0" accel="50000" decel="50000" fill="hold" grpId="0" nodeType="withEffect">
+                                  <p:stCondLst>
+                                    <p:cond delay="500"/>
+                                  </p:stCondLst>
+                                  <p:childTnLst>
+                                    <p:animMotion origin="layout" path="M -6.25E-7 -2.22222E-6 L 0.00013 0.125 " pathEditMode="relative" rAng="0" ptsTypes="AA">
+                                      <p:cBhvr>
+                                        <p:cTn id="24" dur="2000" fill="hold"/>
+                                        <p:tgtEl>
+                                          <p:spTgt spid="54"/>
+                                        </p:tgtEl>
+                                        <p:attrNameLst>
+                                          <p:attrName>ppt_x</p:attrName>
+                                          <p:attrName>ppt_y</p:attrName>
+                                        </p:attrNameLst>
+                                      </p:cBhvr>
+                                      <p:rCtr x="0" y="6250"/>
+                                    </p:animMotion>
+                                  </p:childTnLst>
+                                </p:cTn>
+                              </p:par>
+                              <p:par>
+                                <p:cTn id="25" presetID="42" presetClass="path" presetSubtype="0" accel="50000" decel="50000" fill="hold" grpId="0" nodeType="withEffect">
+                                  <p:stCondLst>
+                                    <p:cond delay="500"/>
+                                  </p:stCondLst>
+                                  <p:childTnLst>
+                                    <p:animMotion origin="layout" path="M -4.58333E-6 -2.22222E-6 L 0.00013 0.125 " pathEditMode="relative" rAng="0" ptsTypes="AA">
+                                      <p:cBhvr>
+                                        <p:cTn id="26" dur="2000" fill="hold"/>
+                                        <p:tgtEl>
+                                          <p:spTgt spid="55"/>
+                                        </p:tgtEl>
+                                        <p:attrNameLst>
+                                          <p:attrName>ppt_x</p:attrName>
+                                          <p:attrName>ppt_y</p:attrName>
+                                        </p:attrNameLst>
+                                      </p:cBhvr>
+                                      <p:rCtr x="0" y="6250"/>
+                                    </p:animMotion>
+                                  </p:childTnLst>
+                                </p:cTn>
+                              </p:par>
+                              <p:par>
+                                <p:cTn id="27" presetID="42" presetClass="path" presetSubtype="0" accel="50000" decel="50000" fill="hold" grpId="0" nodeType="withEffect">
+                                  <p:stCondLst>
+                                    <p:cond delay="500"/>
+                                  </p:stCondLst>
+                                  <p:childTnLst>
+                                    <p:animMotion origin="layout" path="M 1.45833E-6 -2.22222E-6 L 0.00026 0.125 " pathEditMode="relative" rAng="0" ptsTypes="AA">
+                                      <p:cBhvr>
+                                        <p:cTn id="28" dur="2000" fill="hold"/>
+                                        <p:tgtEl>
+                                          <p:spTgt spid="60"/>
+                                        </p:tgtEl>
+                                        <p:attrNameLst>
+                                          <p:attrName>ppt_x</p:attrName>
+                                          <p:attrName>ppt_y</p:attrName>
+                                        </p:attrNameLst>
+                                      </p:cBhvr>
+                                      <p:rCtr x="13" y="6250"/>
+                                    </p:animMotion>
+                                  </p:childTnLst>
+                                </p:cTn>
+                              </p:par>
+                              <p:par>
+                                <p:cTn id="29" presetID="42" presetClass="path" presetSubtype="0" accel="50000" decel="50000" fill="hold" grpId="0" nodeType="withEffect">
+                                  <p:stCondLst>
+                                    <p:cond delay="500"/>
+                                  </p:stCondLst>
+                                  <p:childTnLst>
+                                    <p:animMotion origin="layout" path="M -2.5E-6 -2.22222E-6 L -0.00013 0.125 " pathEditMode="relative" rAng="0" ptsTypes="AA">
+                                      <p:cBhvr>
+                                        <p:cTn id="30" dur="2000" fill="hold"/>
+                                        <p:tgtEl>
+                                          <p:spTgt spid="61"/>
+                                        </p:tgtEl>
+                                        <p:attrNameLst>
+                                          <p:attrName>ppt_x</p:attrName>
+                                          <p:attrName>ppt_y</p:attrName>
+                                        </p:attrNameLst>
+                                      </p:cBhvr>
+                                      <p:rCtr x="-13" y="6250"/>
+                                    </p:animMotion>
+                                  </p:childTnLst>
+                                </p:cTn>
+                              </p:par>
+                            </p:childTnLst>
+                          </p:cTn>
+                        </p:par>
+                        <p:par>
+                          <p:cTn id="31" fill="hold">
+                            <p:stCondLst>
+                              <p:cond delay="4000"/>
+                            </p:stCondLst>
+                            <p:childTnLst>
+                              <p:par>
+                                <p:cTn id="32" presetID="1" presetClass="emph" presetSubtype="2" fill="hold" nodeType="afterEffect">
+                                  <p:stCondLst>
+                                    <p:cond delay="0"/>
+                                  </p:stCondLst>
+                                  <p:childTnLst>
+                                    <p:animClr clrSpc="rgb" dir="cw">
+                                      <p:cBhvr>
+                                        <p:cTn id="33" dur="2000" fill="hold"/>
+                                        <p:tgtEl>
+                                          <p:spTgt spid="88"/>
+                                        </p:tgtEl>
+                                        <p:attrNameLst>
+                                          <p:attrName>fillcolor</p:attrName>
+                                        </p:attrNameLst>
+                                      </p:cBhvr>
+                                      <p:to>
+                                        <a:srgbClr val="272625"/>
+                                      </p:to>
+                                    </p:animClr>
+                                    <p:set>
+                                      <p:cBhvr>
+                                        <p:cTn id="34" dur="2000" fill="hold"/>
+                                        <p:tgtEl>
+                                          <p:spTgt spid="88"/>
+                                        </p:tgtEl>
+                                        <p:attrNameLst>
+                                          <p:attrName>fill.type</p:attrName>
+                                        </p:attrNameLst>
+                                      </p:cBhvr>
+                                      <p:to>
+                                        <p:strVal val="solid"/>
+                                      </p:to>
+                                    </p:set>
+                                    <p:set>
+                                      <p:cBhvr>
+                                        <p:cTn id="35" dur="2000" fill="hold"/>
+                                        <p:tgtEl>
+                                          <p:spTgt spid="88"/>
+                                        </p:tgtEl>
+                                        <p:attrNameLst>
+                                          <p:attrName>fill.on</p:attrName>
+                                        </p:attrNameLst>
+                                      </p:cBhvr>
+                                      <p:to>
+                                        <p:strVal val="true"/>
+                                      </p:to>
+                                    </p:set>
+                                  </p:childTnLst>
+                                </p:cTn>
+                              </p:par>
+                              <p:par>
+                                <p:cTn id="36" presetID="1" presetClass="emph" presetSubtype="2" fill="hold" nodeType="withEffect">
+                                  <p:stCondLst>
+                                    <p:cond delay="0"/>
+                                  </p:stCondLst>
+                                  <p:childTnLst>
+                                    <p:animClr clrSpc="rgb" dir="cw">
+                                      <p:cBhvr>
+                                        <p:cTn id="37" dur="2000" fill="hold"/>
+                                        <p:tgtEl>
+                                          <p:spTgt spid="81"/>
+                                        </p:tgtEl>
+                                        <p:attrNameLst>
+                                          <p:attrName>fillcolor</p:attrName>
+                                        </p:attrNameLst>
+                                      </p:cBhvr>
+                                      <p:to>
+                                        <a:srgbClr val="272625"/>
+                                      </p:to>
+                                    </p:animClr>
+                                    <p:set>
+                                      <p:cBhvr>
+                                        <p:cTn id="38" dur="2000" fill="hold"/>
+                                        <p:tgtEl>
+                                          <p:spTgt spid="81"/>
+                                        </p:tgtEl>
+                                        <p:attrNameLst>
+                                          <p:attrName>fill.type</p:attrName>
+                                        </p:attrNameLst>
+                                      </p:cBhvr>
+                                      <p:to>
+                                        <p:strVal val="solid"/>
+                                      </p:to>
+                                    </p:set>
+                                    <p:set>
+                                      <p:cBhvr>
+                                        <p:cTn id="39" dur="2000" fill="hold"/>
+                                        <p:tgtEl>
+                                          <p:spTgt spid="81"/>
+                                        </p:tgtEl>
+                                        <p:attrNameLst>
+                                          <p:attrName>fill.on</p:attrName>
+                                        </p:attrNameLst>
+                                      </p:cBhvr>
+                                      <p:to>
+                                        <p:strVal val="true"/>
+                                      </p:to>
+                                    </p:set>
+                                  </p:childTnLst>
+                                </p:cTn>
+                              </p:par>
+                              <p:par>
+                                <p:cTn id="40" presetID="1" presetClass="emph" presetSubtype="2" fill="hold" nodeType="withEffect">
+                                  <p:stCondLst>
+                                    <p:cond delay="0"/>
+                                  </p:stCondLst>
+                                  <p:childTnLst>
+                                    <p:animClr clrSpc="rgb" dir="cw">
+                                      <p:cBhvr>
+                                        <p:cTn id="41" dur="2000" fill="hold"/>
+                                        <p:tgtEl>
+                                          <p:spTgt spid="90"/>
+                                        </p:tgtEl>
+                                        <p:attrNameLst>
+                                          <p:attrName>fillcolor</p:attrName>
+                                        </p:attrNameLst>
+                                      </p:cBhvr>
+                                      <p:to>
+                                        <a:srgbClr val="272625"/>
+                                      </p:to>
+                                    </p:animClr>
+                                    <p:set>
+                                      <p:cBhvr>
+                                        <p:cTn id="42" dur="2000" fill="hold"/>
+                                        <p:tgtEl>
+                                          <p:spTgt spid="90"/>
+                                        </p:tgtEl>
+                                        <p:attrNameLst>
+                                          <p:attrName>fill.type</p:attrName>
+                                        </p:attrNameLst>
+                                      </p:cBhvr>
+                                      <p:to>
+                                        <p:strVal val="solid"/>
+                                      </p:to>
+                                    </p:set>
+                                    <p:set>
+                                      <p:cBhvr>
+                                        <p:cTn id="43" dur="2000" fill="hold"/>
+                                        <p:tgtEl>
+                                          <p:spTgt spid="90"/>
+                                        </p:tgtEl>
+                                        <p:attrNameLst>
+                                          <p:attrName>fill.on</p:attrName>
+                                        </p:attrNameLst>
+                                      </p:cBhvr>
+                                      <p:to>
+                                        <p:strVal val="true"/>
+                                      </p:to>
+                                    </p:set>
+                                  </p:childTnLst>
+                                </p:cTn>
+                              </p:par>
+                              <p:par>
+                                <p:cTn id="44" presetID="1" presetClass="emph" presetSubtype="2" fill="hold" nodeType="withEffect">
+                                  <p:stCondLst>
+                                    <p:cond delay="0"/>
+                                  </p:stCondLst>
+                                  <p:childTnLst>
+                                    <p:animClr clrSpc="rgb" dir="cw">
+                                      <p:cBhvr>
+                                        <p:cTn id="45" dur="2000" fill="hold"/>
+                                        <p:tgtEl>
+                                          <p:spTgt spid="89"/>
+                                        </p:tgtEl>
+                                        <p:attrNameLst>
+                                          <p:attrName>fillcolor</p:attrName>
+                                        </p:attrNameLst>
+                                      </p:cBhvr>
+                                      <p:to>
+                                        <a:srgbClr val="272625"/>
+                                      </p:to>
+                                    </p:animClr>
+                                    <p:set>
+                                      <p:cBhvr>
+                                        <p:cTn id="46" dur="2000" fill="hold"/>
+                                        <p:tgtEl>
+                                          <p:spTgt spid="89"/>
+                                        </p:tgtEl>
+                                        <p:attrNameLst>
+                                          <p:attrName>fill.type</p:attrName>
+                                        </p:attrNameLst>
+                                      </p:cBhvr>
+                                      <p:to>
+                                        <p:strVal val="solid"/>
+                                      </p:to>
+                                    </p:set>
+                                    <p:set>
+                                      <p:cBhvr>
+                                        <p:cTn id="47" dur="2000" fill="hold"/>
+                                        <p:tgtEl>
+                                          <p:spTgt spid="89"/>
+                                        </p:tgtEl>
+                                        <p:attrNameLst>
+                                          <p:attrName>fill.on</p:attrName>
+                                        </p:attrNameLst>
+                                      </p:cBhvr>
+                                      <p:to>
+                                        <p:strVal val="true"/>
+                                      </p:to>
+                                    </p:set>
+                                  </p:childTnLst>
+                                </p:cTn>
+                              </p:par>
+                            </p:childTnLst>
+                          </p:cTn>
+                        </p:par>
+                        <p:par>
+                          <p:cTn id="48" fill="hold">
+                            <p:stCondLst>
+                              <p:cond delay="6000"/>
+                            </p:stCondLst>
+                            <p:childTnLst>
+                              <p:par>
+                                <p:cTn id="49" presetID="1" presetClass="emph" presetSubtype="2" fill="hold" nodeType="afterEffect">
+                                  <p:stCondLst>
+                                    <p:cond delay="0"/>
+                                  </p:stCondLst>
+                                  <p:childTnLst>
+                                    <p:animClr clrSpc="rgb" dir="cw">
+                                      <p:cBhvr>
+                                        <p:cTn id="50" dur="500" fill="hold"/>
+                                        <p:tgtEl>
+                                          <p:spTgt spid="88"/>
+                                        </p:tgtEl>
+                                        <p:attrNameLst>
+                                          <p:attrName>fillcolor</p:attrName>
+                                        </p:attrNameLst>
+                                      </p:cBhvr>
+                                      <p:to>
+                                        <a:srgbClr val="00B0F0"/>
+                                      </p:to>
+                                    </p:animClr>
+                                    <p:set>
+                                      <p:cBhvr>
+                                        <p:cTn id="51" dur="500" fill="hold"/>
+                                        <p:tgtEl>
+                                          <p:spTgt spid="88"/>
+                                        </p:tgtEl>
+                                        <p:attrNameLst>
+                                          <p:attrName>fill.type</p:attrName>
+                                        </p:attrNameLst>
+                                      </p:cBhvr>
+                                      <p:to>
+                                        <p:strVal val="solid"/>
+                                      </p:to>
+                                    </p:set>
+                                    <p:set>
+                                      <p:cBhvr>
+                                        <p:cTn id="52" dur="500" fill="hold"/>
+                                        <p:tgtEl>
+                                          <p:spTgt spid="88"/>
+                                        </p:tgtEl>
+                                        <p:attrNameLst>
+                                          <p:attrName>fill.on</p:attrName>
+                                        </p:attrNameLst>
+                                      </p:cBhvr>
+                                      <p:to>
+                                        <p:strVal val="true"/>
+                                      </p:to>
+                                    </p:set>
+                                  </p:childTnLst>
+                                </p:cTn>
+                              </p:par>
+                              <p:par>
+                                <p:cTn id="53" presetID="1" presetClass="emph" presetSubtype="2" fill="hold" nodeType="withEffect">
+                                  <p:stCondLst>
+                                    <p:cond delay="0"/>
+                                  </p:stCondLst>
+                                  <p:childTnLst>
+                                    <p:animClr clrSpc="rgb" dir="cw">
+                                      <p:cBhvr>
+                                        <p:cTn id="54" dur="500" fill="hold"/>
+                                        <p:tgtEl>
+                                          <p:spTgt spid="81"/>
+                                        </p:tgtEl>
+                                        <p:attrNameLst>
+                                          <p:attrName>fillcolor</p:attrName>
+                                        </p:attrNameLst>
+                                      </p:cBhvr>
+                                      <p:to>
+                                        <a:srgbClr val="00B0F0"/>
+                                      </p:to>
+                                    </p:animClr>
+                                    <p:set>
+                                      <p:cBhvr>
+                                        <p:cTn id="55" dur="500" fill="hold"/>
+                                        <p:tgtEl>
+                                          <p:spTgt spid="81"/>
+                                        </p:tgtEl>
+                                        <p:attrNameLst>
+                                          <p:attrName>fill.type</p:attrName>
+                                        </p:attrNameLst>
+                                      </p:cBhvr>
+                                      <p:to>
+                                        <p:strVal val="solid"/>
+                                      </p:to>
+                                    </p:set>
+                                    <p:set>
+                                      <p:cBhvr>
+                                        <p:cTn id="56" dur="500" fill="hold"/>
+                                        <p:tgtEl>
+                                          <p:spTgt spid="81"/>
+                                        </p:tgtEl>
+                                        <p:attrNameLst>
+                                          <p:attrName>fill.on</p:attrName>
+                                        </p:attrNameLst>
+                                      </p:cBhvr>
+                                      <p:to>
+                                        <p:strVal val="true"/>
+                                      </p:to>
+                                    </p:set>
+                                  </p:childTnLst>
+                                </p:cTn>
+                              </p:par>
+                              <p:par>
+                                <p:cTn id="57" presetID="1" presetClass="emph" presetSubtype="2" fill="hold" nodeType="withEffect">
+                                  <p:stCondLst>
+                                    <p:cond delay="0"/>
+                                  </p:stCondLst>
+                                  <p:childTnLst>
+                                    <p:animClr clrSpc="rgb" dir="cw">
+                                      <p:cBhvr>
+                                        <p:cTn id="58" dur="500" fill="hold"/>
+                                        <p:tgtEl>
+                                          <p:spTgt spid="90"/>
+                                        </p:tgtEl>
+                                        <p:attrNameLst>
+                                          <p:attrName>fillcolor</p:attrName>
+                                        </p:attrNameLst>
+                                      </p:cBhvr>
+                                      <p:to>
+                                        <a:srgbClr val="00B0F0"/>
+                                      </p:to>
+                                    </p:animClr>
+                                    <p:set>
+                                      <p:cBhvr>
+                                        <p:cTn id="59" dur="500" fill="hold"/>
+                                        <p:tgtEl>
+                                          <p:spTgt spid="90"/>
+                                        </p:tgtEl>
+                                        <p:attrNameLst>
+                                          <p:attrName>fill.type</p:attrName>
+                                        </p:attrNameLst>
+                                      </p:cBhvr>
+                                      <p:to>
+                                        <p:strVal val="solid"/>
+                                      </p:to>
+                                    </p:set>
+                                    <p:set>
+                                      <p:cBhvr>
+                                        <p:cTn id="60" dur="500" fill="hold"/>
+                                        <p:tgtEl>
+                                          <p:spTgt spid="90"/>
+                                        </p:tgtEl>
+                                        <p:attrNameLst>
+                                          <p:attrName>fill.on</p:attrName>
+                                        </p:attrNameLst>
+                                      </p:cBhvr>
+                                      <p:to>
+                                        <p:strVal val="true"/>
+                                      </p:to>
+                                    </p:set>
+                                  </p:childTnLst>
+                                </p:cTn>
+                              </p:par>
+                              <p:par>
+                                <p:cTn id="61" presetID="1" presetClass="emph" presetSubtype="2" fill="hold" nodeType="withEffect">
+                                  <p:stCondLst>
+                                    <p:cond delay="0"/>
+                                  </p:stCondLst>
+                                  <p:childTnLst>
+                                    <p:animClr clrSpc="rgb" dir="cw">
+                                      <p:cBhvr>
+                                        <p:cTn id="62" dur="500" fill="hold"/>
+                                        <p:tgtEl>
+                                          <p:spTgt spid="89"/>
+                                        </p:tgtEl>
+                                        <p:attrNameLst>
+                                          <p:attrName>fillcolor</p:attrName>
+                                        </p:attrNameLst>
+                                      </p:cBhvr>
+                                      <p:to>
+                                        <a:srgbClr val="00B0F0"/>
+                                      </p:to>
+                                    </p:animClr>
+                                    <p:set>
+                                      <p:cBhvr>
+                                        <p:cTn id="63" dur="500" fill="hold"/>
+                                        <p:tgtEl>
+                                          <p:spTgt spid="89"/>
+                                        </p:tgtEl>
+                                        <p:attrNameLst>
+                                          <p:attrName>fill.type</p:attrName>
+                                        </p:attrNameLst>
+                                      </p:cBhvr>
+                                      <p:to>
+                                        <p:strVal val="solid"/>
+                                      </p:to>
+                                    </p:set>
+                                    <p:set>
+                                      <p:cBhvr>
+                                        <p:cTn id="64" dur="500" fill="hold"/>
+                                        <p:tgtEl>
+                                          <p:spTgt spid="89"/>
+                                        </p:tgtEl>
+                                        <p:attrNameLst>
+                                          <p:attrName>fill.on</p:attrName>
+                                        </p:attrNameLst>
+                                      </p:cBhvr>
+                                      <p:to>
+                                        <p:strVal val="true"/>
+                                      </p:to>
+                                    </p:set>
+                                  </p:childTnLst>
+                                </p:cTn>
+                              </p:par>
+                            </p:childTnLst>
+                          </p:cTn>
+                        </p:par>
+                      </p:childTnLst>
+                    </p:cTn>
+                  </p:par>
+                </p:childTnLst>
+              </p:cTn>
+              <p:prevCondLst>
+                <p:cond evt="onPrev" delay="0">
+                  <p:tgtEl>
+                    <p:sldTgt/>
+                  </p:tgtEl>
+                </p:cond>
+              </p:prevCondLst>
+              <p:nextCondLst>
+                <p:cond evt="onNext" delay="0">
+                  <p:tgtEl>
+                    <p:sldTgt/>
+                  </p:tgtEl>
+                </p:cond>
+              </p:nextCondLst>
+            </p:seq>
+          </p:childTnLst>
+        </p:cTn>
+      </p:par>
+    </p:tnLst>
+    <p:bldLst>
+      <p:bldP spid="96" grpId="0" animBg="1"/>
+      <p:bldP spid="97" grpId="0" animBg="1"/>
+      <p:bldP spid="98" grpId="0" animBg="1"/>
+      <p:bldP spid="121" grpId="0" animBg="1"/>
+      <p:bldP spid="52" grpId="0"/>
+      <p:bldP spid="54" grpId="0" animBg="1"/>
+      <p:bldP spid="55" grpId="0" animBg="1"/>
+      <p:bldP spid="60" grpId="0" animBg="1"/>
+      <p:bldP spid="61" grpId="0" animBg="1"/>
     </p:bldLst>
   </p:timing>
 </p:sld>
